--- a/docs/Presentation/demodulator.pptx
+++ b/docs/Presentation/demodulator.pptx
@@ -112,15 +112,6 @@
     </p:ext>
   </p:extLst>
 </p:presentation>
-</file>
-
-<file path=ppt/revisionInfo.xml><?xml version="1.0" encoding="utf-8"?>
-<p1510:revInfo xmlns:a="http://schemas.openxmlformats.org/drawingml/2006/main" xmlns:r="http://schemas.openxmlformats.org/officeDocument/2006/relationships" xmlns:p1510="http://schemas.microsoft.com/office/powerpoint/2015/10/main">
-  <p1510:revLst>
-    <p1510:client id="{30D1B0EE-0E90-4C46-B12A-DAE2F4CCE78C}" v="100" dt="2023-12-13T20:49:42.399"/>
-    <p1510:client id="{E26BDA4F-ABD2-458E-B91C-8B69E4CAB47F}" v="1138" dt="2023-12-14T01:18:30.142"/>
-  </p1510:revLst>
-</p1510:revInfo>
 </file>
 
 <file path=ppt/slideLayouts/slideLayout1.xml><?xml version="1.0" encoding="utf-8"?>
@@ -3986,6 +3977,346 @@
   <p:clrMapOvr>
     <a:masterClrMapping/>
   </p:clrMapOvr>
+  <p:timing>
+    <p:tnLst>
+      <p:par>
+        <p:cTn id="1" dur="indefinite" restart="never" nodeType="tmRoot">
+          <p:childTnLst>
+            <p:seq concurrent="1" nextAc="seek">
+              <p:cTn id="2" dur="indefinite" nodeType="mainSeq">
+                <p:childTnLst>
+                  <p:par>
+                    <p:cTn id="3" fill="hold">
+                      <p:stCondLst>
+                        <p:cond delay="indefinite"/>
+                      </p:stCondLst>
+                      <p:childTnLst>
+                        <p:par>
+                          <p:cTn id="4" fill="hold">
+                            <p:stCondLst>
+                              <p:cond delay="0"/>
+                            </p:stCondLst>
+                            <p:childTnLst>
+                              <p:par>
+                                <p:cTn id="5" presetID="10" presetClass="entr" presetSubtype="0" fill="hold" grpId="0" nodeType="clickEffect">
+                                  <p:stCondLst>
+                                    <p:cond delay="0"/>
+                                  </p:stCondLst>
+                                  <p:childTnLst>
+                                    <p:set>
+                                      <p:cBhvr>
+                                        <p:cTn id="6" dur="1" fill="hold">
+                                          <p:stCondLst>
+                                            <p:cond delay="0"/>
+                                          </p:stCondLst>
+                                        </p:cTn>
+                                        <p:tgtEl>
+                                          <p:spTgt spid="3">
+                                            <p:txEl>
+                                              <p:pRg st="0" end="0"/>
+                                            </p:txEl>
+                                          </p:spTgt>
+                                        </p:tgtEl>
+                                        <p:attrNameLst>
+                                          <p:attrName>style.visibility</p:attrName>
+                                        </p:attrNameLst>
+                                      </p:cBhvr>
+                                      <p:to>
+                                        <p:strVal val="visible"/>
+                                      </p:to>
+                                    </p:set>
+                                    <p:animEffect transition="in" filter="fade">
+                                      <p:cBhvr>
+                                        <p:cTn id="7" dur="500"/>
+                                        <p:tgtEl>
+                                          <p:spTgt spid="3">
+                                            <p:txEl>
+                                              <p:pRg st="0" end="0"/>
+                                            </p:txEl>
+                                          </p:spTgt>
+                                        </p:tgtEl>
+                                      </p:cBhvr>
+                                    </p:animEffect>
+                                  </p:childTnLst>
+                                </p:cTn>
+                              </p:par>
+                            </p:childTnLst>
+                          </p:cTn>
+                        </p:par>
+                      </p:childTnLst>
+                    </p:cTn>
+                  </p:par>
+                  <p:par>
+                    <p:cTn id="8" fill="hold">
+                      <p:stCondLst>
+                        <p:cond delay="indefinite"/>
+                      </p:stCondLst>
+                      <p:childTnLst>
+                        <p:par>
+                          <p:cTn id="9" fill="hold">
+                            <p:stCondLst>
+                              <p:cond delay="0"/>
+                            </p:stCondLst>
+                            <p:childTnLst>
+                              <p:par>
+                                <p:cTn id="10" presetID="10" presetClass="entr" presetSubtype="0" fill="hold" grpId="0" nodeType="clickEffect">
+                                  <p:stCondLst>
+                                    <p:cond delay="0"/>
+                                  </p:stCondLst>
+                                  <p:childTnLst>
+                                    <p:set>
+                                      <p:cBhvr>
+                                        <p:cTn id="11" dur="1" fill="hold">
+                                          <p:stCondLst>
+                                            <p:cond delay="0"/>
+                                          </p:stCondLst>
+                                        </p:cTn>
+                                        <p:tgtEl>
+                                          <p:spTgt spid="3">
+                                            <p:txEl>
+                                              <p:pRg st="1" end="1"/>
+                                            </p:txEl>
+                                          </p:spTgt>
+                                        </p:tgtEl>
+                                        <p:attrNameLst>
+                                          <p:attrName>style.visibility</p:attrName>
+                                        </p:attrNameLst>
+                                      </p:cBhvr>
+                                      <p:to>
+                                        <p:strVal val="visible"/>
+                                      </p:to>
+                                    </p:set>
+                                    <p:animEffect transition="in" filter="fade">
+                                      <p:cBhvr>
+                                        <p:cTn id="12" dur="500"/>
+                                        <p:tgtEl>
+                                          <p:spTgt spid="3">
+                                            <p:txEl>
+                                              <p:pRg st="1" end="1"/>
+                                            </p:txEl>
+                                          </p:spTgt>
+                                        </p:tgtEl>
+                                      </p:cBhvr>
+                                    </p:animEffect>
+                                  </p:childTnLst>
+                                </p:cTn>
+                              </p:par>
+                            </p:childTnLst>
+                          </p:cTn>
+                        </p:par>
+                      </p:childTnLst>
+                    </p:cTn>
+                  </p:par>
+                  <p:par>
+                    <p:cTn id="13" fill="hold">
+                      <p:stCondLst>
+                        <p:cond delay="indefinite"/>
+                      </p:stCondLst>
+                      <p:childTnLst>
+                        <p:par>
+                          <p:cTn id="14" fill="hold">
+                            <p:stCondLst>
+                              <p:cond delay="0"/>
+                            </p:stCondLst>
+                            <p:childTnLst>
+                              <p:par>
+                                <p:cTn id="15" presetID="10" presetClass="entr" presetSubtype="0" fill="hold" grpId="0" nodeType="clickEffect">
+                                  <p:stCondLst>
+                                    <p:cond delay="0"/>
+                                  </p:stCondLst>
+                                  <p:childTnLst>
+                                    <p:set>
+                                      <p:cBhvr>
+                                        <p:cTn id="16" dur="1" fill="hold">
+                                          <p:stCondLst>
+                                            <p:cond delay="0"/>
+                                          </p:stCondLst>
+                                        </p:cTn>
+                                        <p:tgtEl>
+                                          <p:spTgt spid="3">
+                                            <p:txEl>
+                                              <p:pRg st="2" end="2"/>
+                                            </p:txEl>
+                                          </p:spTgt>
+                                        </p:tgtEl>
+                                        <p:attrNameLst>
+                                          <p:attrName>style.visibility</p:attrName>
+                                        </p:attrNameLst>
+                                      </p:cBhvr>
+                                      <p:to>
+                                        <p:strVal val="visible"/>
+                                      </p:to>
+                                    </p:set>
+                                    <p:animEffect transition="in" filter="fade">
+                                      <p:cBhvr>
+                                        <p:cTn id="17" dur="500"/>
+                                        <p:tgtEl>
+                                          <p:spTgt spid="3">
+                                            <p:txEl>
+                                              <p:pRg st="2" end="2"/>
+                                            </p:txEl>
+                                          </p:spTgt>
+                                        </p:tgtEl>
+                                      </p:cBhvr>
+                                    </p:animEffect>
+                                  </p:childTnLst>
+                                </p:cTn>
+                              </p:par>
+                            </p:childTnLst>
+                          </p:cTn>
+                        </p:par>
+                      </p:childTnLst>
+                    </p:cTn>
+                  </p:par>
+                  <p:par>
+                    <p:cTn id="18" fill="hold">
+                      <p:stCondLst>
+                        <p:cond delay="indefinite"/>
+                      </p:stCondLst>
+                      <p:childTnLst>
+                        <p:par>
+                          <p:cTn id="19" fill="hold">
+                            <p:stCondLst>
+                              <p:cond delay="0"/>
+                            </p:stCondLst>
+                            <p:childTnLst>
+                              <p:par>
+                                <p:cTn id="20" presetID="10" presetClass="entr" presetSubtype="0" fill="hold" nodeType="clickEffect">
+                                  <p:stCondLst>
+                                    <p:cond delay="0"/>
+                                  </p:stCondLst>
+                                  <p:childTnLst>
+                                    <p:set>
+                                      <p:cBhvr>
+                                        <p:cTn id="21" dur="1" fill="hold">
+                                          <p:stCondLst>
+                                            <p:cond delay="0"/>
+                                          </p:stCondLst>
+                                        </p:cTn>
+                                        <p:tgtEl>
+                                          <p:spTgt spid="47"/>
+                                        </p:tgtEl>
+                                        <p:attrNameLst>
+                                          <p:attrName>style.visibility</p:attrName>
+                                        </p:attrNameLst>
+                                      </p:cBhvr>
+                                      <p:to>
+                                        <p:strVal val="visible"/>
+                                      </p:to>
+                                    </p:set>
+                                    <p:animEffect transition="in" filter="fade">
+                                      <p:cBhvr>
+                                        <p:cTn id="22" dur="500"/>
+                                        <p:tgtEl>
+                                          <p:spTgt spid="47"/>
+                                        </p:tgtEl>
+                                      </p:cBhvr>
+                                    </p:animEffect>
+                                  </p:childTnLst>
+                                </p:cTn>
+                              </p:par>
+                              <p:par>
+                                <p:cTn id="23" presetID="10" presetClass="entr" presetSubtype="0" fill="hold" grpId="0" nodeType="withEffect">
+                                  <p:stCondLst>
+                                    <p:cond delay="0"/>
+                                  </p:stCondLst>
+                                  <p:childTnLst>
+                                    <p:set>
+                                      <p:cBhvr>
+                                        <p:cTn id="24" dur="1" fill="hold">
+                                          <p:stCondLst>
+                                            <p:cond delay="0"/>
+                                          </p:stCondLst>
+                                        </p:cTn>
+                                        <p:tgtEl>
+                                          <p:spTgt spid="62"/>
+                                        </p:tgtEl>
+                                        <p:attrNameLst>
+                                          <p:attrName>style.visibility</p:attrName>
+                                        </p:attrNameLst>
+                                      </p:cBhvr>
+                                      <p:to>
+                                        <p:strVal val="visible"/>
+                                      </p:to>
+                                    </p:set>
+                                    <p:animEffect transition="in" filter="fade">
+                                      <p:cBhvr>
+                                        <p:cTn id="25" dur="500"/>
+                                        <p:tgtEl>
+                                          <p:spTgt spid="62"/>
+                                        </p:tgtEl>
+                                      </p:cBhvr>
+                                    </p:animEffect>
+                                  </p:childTnLst>
+                                </p:cTn>
+                              </p:par>
+                              <p:par>
+                                <p:cTn id="26" presetID="10" presetClass="entr" presetSubtype="0" fill="hold" nodeType="withEffect">
+                                  <p:stCondLst>
+                                    <p:cond delay="0"/>
+                                  </p:stCondLst>
+                                  <p:childTnLst>
+                                    <p:set>
+                                      <p:cBhvr>
+                                        <p:cTn id="27" dur="1" fill="hold">
+                                          <p:stCondLst>
+                                            <p:cond delay="0"/>
+                                          </p:stCondLst>
+                                        </p:cTn>
+                                        <p:tgtEl>
+                                          <p:spTgt spid="59"/>
+                                        </p:tgtEl>
+                                        <p:attrNameLst>
+                                          <p:attrName>style.visibility</p:attrName>
+                                        </p:attrNameLst>
+                                      </p:cBhvr>
+                                      <p:to>
+                                        <p:strVal val="visible"/>
+                                      </p:to>
+                                    </p:set>
+                                    <p:animEffect transition="in" filter="fade">
+                                      <p:cBhvr>
+                                        <p:cTn id="28" dur="500"/>
+                                        <p:tgtEl>
+                                          <p:spTgt spid="59"/>
+                                        </p:tgtEl>
+                                      </p:cBhvr>
+                                    </p:animEffect>
+                                  </p:childTnLst>
+                                </p:cTn>
+                              </p:par>
+                            </p:childTnLst>
+                          </p:cTn>
+                        </p:par>
+                      </p:childTnLst>
+                    </p:cTn>
+                  </p:par>
+                </p:childTnLst>
+              </p:cTn>
+              <p:prevCondLst>
+                <p:cond evt="onPrev" delay="0">
+                  <p:tgtEl>
+                    <p:sldTgt/>
+                  </p:tgtEl>
+                </p:cond>
+              </p:prevCondLst>
+              <p:nextCondLst>
+                <p:cond evt="onNext" delay="0">
+                  <p:tgtEl>
+                    <p:sldTgt/>
+                  </p:tgtEl>
+                </p:cond>
+              </p:nextCondLst>
+            </p:seq>
+          </p:childTnLst>
+        </p:cTn>
+      </p:par>
+    </p:tnLst>
+    <p:bldLst>
+      <p:bldP spid="3" grpId="0" uiExpand="1" build="p"/>
+      <p:bldP spid="62" grpId="0"/>
+    </p:bldLst>
+  </p:timing>
 </p:sld>
 </file>
 
@@ -4006,859 +4337,817 @@
           <a:chExt cx="0" cy="0"/>
         </a:xfrm>
       </p:grpSpPr>
-      <p:grpSp>
-        <p:nvGrpSpPr>
-          <p:cNvPr id="80" name="Group 79">
+      <p:sp>
+        <p:nvSpPr>
+          <p:cNvPr id="64" name="TextBox 63">
             <a:extLst>
               <a:ext uri="{FF2B5EF4-FFF2-40B4-BE49-F238E27FC236}">
-                <a16:creationId xmlns:a16="http://schemas.microsoft.com/office/drawing/2014/main" id="{C0759F51-253D-5397-1A72-BB840BCDC57B}"/>
+                <a16:creationId xmlns:a16="http://schemas.microsoft.com/office/drawing/2014/main" id="{E3B86355-F1B3-6834-1127-55ED28E6F609}"/>
               </a:ext>
             </a:extLst>
           </p:cNvPr>
-          <p:cNvGrpSpPr/>
+          <p:cNvSpPr txBox="1"/>
           <p:nvPr/>
-        </p:nvGrpSpPr>
-        <p:grpSpPr>
+        </p:nvSpPr>
+        <p:spPr>
+          <a:xfrm rot="20429375">
+            <a:off x="5745661" y="4646114"/>
+            <a:ext cx="1163016" cy="375695"/>
+          </a:xfrm>
+          <a:prstGeom prst="rect">
+            <a:avLst/>
+          </a:prstGeom>
+          <a:noFill/>
+        </p:spPr>
+        <p:txBody>
+          <a:bodyPr wrap="none" rtlCol="0">
+            <a:spAutoFit/>
+          </a:bodyPr>
+          <a:lstStyle/>
+          <a:p>
+            <a:r>
+              <a:rPr lang="en-US" dirty="0"/>
+              <a:t>Valid == 1</a:t>
+            </a:r>
+          </a:p>
+        </p:txBody>
+      </p:sp>
+      <p:sp>
+        <p:nvSpPr>
+          <p:cNvPr id="7" name="Oval 6">
+            <a:extLst>
+              <a:ext uri="{FF2B5EF4-FFF2-40B4-BE49-F238E27FC236}">
+                <a16:creationId xmlns:a16="http://schemas.microsoft.com/office/drawing/2014/main" id="{F1C1E50E-12DD-DBC6-3A6E-2D4EAF28CF1D}"/>
+              </a:ext>
+            </a:extLst>
+          </p:cNvPr>
+          <p:cNvSpPr/>
+          <p:nvPr/>
+        </p:nvSpPr>
+        <p:spPr>
           <a:xfrm>
-            <a:off x="976135" y="1507047"/>
-            <a:ext cx="10085447" cy="5071306"/>
-            <a:chOff x="1162560" y="1577225"/>
-            <a:chExt cx="9866879" cy="4985412"/>
+            <a:off x="1471019" y="1766091"/>
+            <a:ext cx="1790386" cy="1628366"/>
           </a:xfrm>
-        </p:grpSpPr>
-        <p:sp>
-          <p:nvSpPr>
-            <p:cNvPr id="64" name="TextBox 63">
-              <a:extLst>
-                <a:ext uri="{FF2B5EF4-FFF2-40B4-BE49-F238E27FC236}">
-                  <a16:creationId xmlns:a16="http://schemas.microsoft.com/office/drawing/2014/main" id="{E3B86355-F1B3-6834-1127-55ED28E6F609}"/>
-                </a:ext>
-              </a:extLst>
-            </p:cNvPr>
-            <p:cNvSpPr txBox="1"/>
-            <p:nvPr/>
-          </p:nvSpPr>
-          <p:spPr>
-            <a:xfrm rot="20429375">
-              <a:off x="5828723" y="4663125"/>
-              <a:ext cx="1137812" cy="369332"/>
-            </a:xfrm>
-            <a:prstGeom prst="rect">
-              <a:avLst/>
-            </a:prstGeom>
-            <a:noFill/>
-          </p:spPr>
-          <p:txBody>
-            <a:bodyPr wrap="none" rtlCol="0">
-              <a:spAutoFit/>
-            </a:bodyPr>
-            <a:lstStyle/>
-            <a:p>
-              <a:r>
-                <a:rPr lang="en-US" dirty="0"/>
-                <a:t>Valid == 1</a:t>
-              </a:r>
-            </a:p>
-          </p:txBody>
-        </p:sp>
-        <p:grpSp>
-          <p:nvGrpSpPr>
-            <p:cNvPr id="79" name="Group 78">
-              <a:extLst>
-                <a:ext uri="{FF2B5EF4-FFF2-40B4-BE49-F238E27FC236}">
-                  <a16:creationId xmlns:a16="http://schemas.microsoft.com/office/drawing/2014/main" id="{9C5447BC-083D-2D1E-4BE1-4F32538BAECC}"/>
-                </a:ext>
-              </a:extLst>
-            </p:cNvPr>
-            <p:cNvGrpSpPr/>
-            <p:nvPr/>
-          </p:nvGrpSpPr>
-          <p:grpSpPr>
-            <a:xfrm>
-              <a:off x="1162560" y="1577225"/>
-              <a:ext cx="9866879" cy="4985412"/>
-              <a:chOff x="369074" y="574140"/>
-              <a:chExt cx="11143639" cy="5995050"/>
-            </a:xfrm>
-          </p:grpSpPr>
-          <p:sp>
-            <p:nvSpPr>
-              <p:cNvPr id="7" name="Oval 6">
-                <a:extLst>
-                  <a:ext uri="{FF2B5EF4-FFF2-40B4-BE49-F238E27FC236}">
-                    <a16:creationId xmlns:a16="http://schemas.microsoft.com/office/drawing/2014/main" id="{F1C1E50E-12DD-DBC6-3A6E-2D4EAF28CF1D}"/>
-                  </a:ext>
-                </a:extLst>
-              </p:cNvPr>
-              <p:cNvSpPr/>
-              <p:nvPr/>
-            </p:nvSpPr>
-            <p:spPr>
-              <a:xfrm>
-                <a:off x="915882" y="880369"/>
-                <a:ext cx="1978238" cy="1924975"/>
-              </a:xfrm>
-              <a:prstGeom prst="ellipse">
-                <a:avLst/>
-              </a:prstGeom>
-            </p:spPr>
-            <p:style>
-              <a:lnRef idx="2">
-                <a:schemeClr val="accent1">
-                  <a:shade val="15000"/>
-                </a:schemeClr>
-              </a:lnRef>
-              <a:fillRef idx="1">
-                <a:schemeClr val="accent1"/>
-              </a:fillRef>
-              <a:effectRef idx="0">
-                <a:schemeClr val="accent1"/>
-              </a:effectRef>
-              <a:fontRef idx="minor">
-                <a:schemeClr val="lt1"/>
-              </a:fontRef>
-            </p:style>
-            <p:txBody>
-              <a:bodyPr rtlCol="0" anchor="ctr"/>
-              <a:lstStyle/>
-              <a:p>
-                <a:pPr algn="ctr"/>
-                <a:r>
-                  <a:rPr lang="en-US" dirty="0"/>
-                  <a:t>Idle</a:t>
-                </a:r>
-              </a:p>
-            </p:txBody>
-          </p:sp>
-          <p:sp>
-            <p:nvSpPr>
-              <p:cNvPr id="8" name="Oval 7">
-                <a:extLst>
-                  <a:ext uri="{FF2B5EF4-FFF2-40B4-BE49-F238E27FC236}">
-                    <a16:creationId xmlns:a16="http://schemas.microsoft.com/office/drawing/2014/main" id="{E70D2826-650B-78E4-41C0-22789981A543}"/>
-                  </a:ext>
-                </a:extLst>
-              </p:cNvPr>
-              <p:cNvSpPr/>
-              <p:nvPr/>
-            </p:nvSpPr>
-            <p:spPr>
-              <a:xfrm>
-                <a:off x="8543280" y="880368"/>
-                <a:ext cx="1978238" cy="1924975"/>
-              </a:xfrm>
-              <a:prstGeom prst="ellipse">
-                <a:avLst/>
-              </a:prstGeom>
-            </p:spPr>
-            <p:style>
-              <a:lnRef idx="2">
-                <a:schemeClr val="accent1">
-                  <a:shade val="15000"/>
-                </a:schemeClr>
-              </a:lnRef>
-              <a:fillRef idx="1">
-                <a:schemeClr val="accent1"/>
-              </a:fillRef>
-              <a:effectRef idx="0">
-                <a:schemeClr val="accent1"/>
-              </a:effectRef>
-              <a:fontRef idx="minor">
-                <a:schemeClr val="lt1"/>
-              </a:fontRef>
-            </p:style>
-            <p:txBody>
-              <a:bodyPr rtlCol="0" anchor="ctr"/>
-              <a:lstStyle/>
-              <a:p>
-                <a:pPr algn="ctr"/>
-                <a:r>
-                  <a:rPr lang="en-US" sz="1200" dirty="0" err="1"/>
-                  <a:t>Receiving_data</a:t>
-                </a:r>
-                <a:endParaRPr lang="en-US" sz="1200" dirty="0"/>
-              </a:p>
-            </p:txBody>
-          </p:sp>
-          <p:sp>
-            <p:nvSpPr>
-              <p:cNvPr id="9" name="Oval 8">
-                <a:extLst>
-                  <a:ext uri="{FF2B5EF4-FFF2-40B4-BE49-F238E27FC236}">
-                    <a16:creationId xmlns:a16="http://schemas.microsoft.com/office/drawing/2014/main" id="{A82DB756-CC9C-BD25-A8C7-F93D50D3F6FC}"/>
-                  </a:ext>
-                </a:extLst>
-              </p:cNvPr>
-              <p:cNvSpPr/>
-              <p:nvPr/>
-            </p:nvSpPr>
-            <p:spPr>
-              <a:xfrm>
-                <a:off x="8543280" y="4459550"/>
-                <a:ext cx="1978238" cy="1924975"/>
-              </a:xfrm>
-              <a:prstGeom prst="ellipse">
-                <a:avLst/>
-              </a:prstGeom>
-            </p:spPr>
-            <p:style>
-              <a:lnRef idx="2">
-                <a:schemeClr val="accent1">
-                  <a:shade val="15000"/>
-                </a:schemeClr>
-              </a:lnRef>
-              <a:fillRef idx="1">
-                <a:schemeClr val="accent1"/>
-              </a:fillRef>
-              <a:effectRef idx="0">
-                <a:schemeClr val="accent1"/>
-              </a:effectRef>
-              <a:fontRef idx="minor">
-                <a:schemeClr val="lt1"/>
-              </a:fontRef>
-            </p:style>
-            <p:txBody>
-              <a:bodyPr rtlCol="0" anchor="ctr"/>
-              <a:lstStyle/>
-              <a:p>
-                <a:pPr algn="ctr"/>
-                <a:r>
-                  <a:rPr lang="en-US" dirty="0"/>
-                  <a:t>correlation</a:t>
-                </a:r>
-              </a:p>
-            </p:txBody>
-          </p:sp>
-          <p:sp>
-            <p:nvSpPr>
-              <p:cNvPr id="10" name="Oval 9">
-                <a:extLst>
-                  <a:ext uri="{FF2B5EF4-FFF2-40B4-BE49-F238E27FC236}">
-                    <a16:creationId xmlns:a16="http://schemas.microsoft.com/office/drawing/2014/main" id="{F5BA10B2-738D-C5C4-BAFF-52D50AD374C9}"/>
-                  </a:ext>
-                </a:extLst>
-              </p:cNvPr>
-              <p:cNvSpPr/>
-              <p:nvPr/>
-            </p:nvSpPr>
-            <p:spPr>
-              <a:xfrm>
-                <a:off x="915882" y="4459549"/>
-                <a:ext cx="1978238" cy="1924975"/>
-              </a:xfrm>
-              <a:prstGeom prst="ellipse">
-                <a:avLst/>
-              </a:prstGeom>
-            </p:spPr>
-            <p:style>
-              <a:lnRef idx="2">
-                <a:schemeClr val="accent1">
-                  <a:shade val="15000"/>
-                </a:schemeClr>
-              </a:lnRef>
-              <a:fillRef idx="1">
-                <a:schemeClr val="accent1"/>
-              </a:fillRef>
-              <a:effectRef idx="0">
-                <a:schemeClr val="accent1"/>
-              </a:effectRef>
-              <a:fontRef idx="minor">
-                <a:schemeClr val="lt1"/>
-              </a:fontRef>
-            </p:style>
-            <p:txBody>
-              <a:bodyPr rtlCol="0" anchor="ctr"/>
-              <a:lstStyle/>
-              <a:p>
-                <a:pPr algn="ctr"/>
-                <a:r>
-                  <a:rPr lang="en-US" dirty="0" err="1"/>
-                  <a:t>Store&amp;out</a:t>
-                </a:r>
-                <a:endParaRPr lang="en-US" dirty="0"/>
-              </a:p>
-            </p:txBody>
-          </p:sp>
-          <p:cxnSp>
-            <p:nvCxnSpPr>
-              <p:cNvPr id="12" name="Connector: Curved 11">
-                <a:extLst>
-                  <a:ext uri="{FF2B5EF4-FFF2-40B4-BE49-F238E27FC236}">
-                    <a16:creationId xmlns:a16="http://schemas.microsoft.com/office/drawing/2014/main" id="{E4D47032-F8E9-59BB-A130-1BF7175D5826}"/>
-                  </a:ext>
-                </a:extLst>
-              </p:cNvPr>
-              <p:cNvCxnSpPr>
-                <a:stCxn id="7" idx="7"/>
-                <a:endCxn id="8" idx="1"/>
-              </p:cNvCxnSpPr>
-              <p:nvPr/>
-            </p:nvCxnSpPr>
-            <p:spPr>
-              <a:xfrm rot="5400000" flipH="1" flipV="1">
-                <a:off x="5718700" y="-1952011"/>
-                <a:ext cx="1" cy="6228572"/>
-              </a:xfrm>
-              <a:prstGeom prst="curvedConnector3">
-                <a:avLst>
-                  <a:gd name="adj1" fmla="val 51050700000"/>
-                </a:avLst>
-              </a:prstGeom>
-              <a:ln>
-                <a:tailEnd type="triangle"/>
-              </a:ln>
-            </p:spPr>
-            <p:style>
-              <a:lnRef idx="2">
-                <a:schemeClr val="accent1"/>
-              </a:lnRef>
-              <a:fillRef idx="0">
-                <a:schemeClr val="accent1"/>
-              </a:fillRef>
-              <a:effectRef idx="1">
-                <a:schemeClr val="accent1"/>
-              </a:effectRef>
-              <a:fontRef idx="minor">
-                <a:schemeClr val="tx1"/>
-              </a:fontRef>
-            </p:style>
-          </p:cxnSp>
-          <p:cxnSp>
-            <p:nvCxnSpPr>
-              <p:cNvPr id="16" name="Connector: Curved 15">
-                <a:extLst>
-                  <a:ext uri="{FF2B5EF4-FFF2-40B4-BE49-F238E27FC236}">
-                    <a16:creationId xmlns:a16="http://schemas.microsoft.com/office/drawing/2014/main" id="{302884CD-6AC0-D92D-77A4-63F93AF77EB0}"/>
-                  </a:ext>
-                </a:extLst>
-              </p:cNvPr>
-              <p:cNvCxnSpPr>
-                <a:cxnSpLocks/>
-                <a:stCxn id="8" idx="6"/>
-                <a:endCxn id="9" idx="6"/>
-              </p:cNvCxnSpPr>
-              <p:nvPr/>
-            </p:nvCxnSpPr>
-            <p:spPr>
-              <a:xfrm>
-                <a:off x="10521518" y="1842856"/>
-                <a:ext cx="12700" cy="3579182"/>
-              </a:xfrm>
-              <a:prstGeom prst="curvedConnector3">
-                <a:avLst>
-                  <a:gd name="adj1" fmla="val 5015535"/>
-                </a:avLst>
-              </a:prstGeom>
-              <a:ln>
-                <a:tailEnd type="triangle"/>
-              </a:ln>
-            </p:spPr>
-            <p:style>
-              <a:lnRef idx="2">
-                <a:schemeClr val="accent1"/>
-              </a:lnRef>
-              <a:fillRef idx="0">
-                <a:schemeClr val="accent1"/>
-              </a:fillRef>
-              <a:effectRef idx="1">
-                <a:schemeClr val="accent1"/>
-              </a:effectRef>
-              <a:fontRef idx="minor">
-                <a:schemeClr val="tx1"/>
-              </a:fontRef>
-            </p:style>
-          </p:cxnSp>
-          <p:cxnSp>
-            <p:nvCxnSpPr>
-              <p:cNvPr id="24" name="Connector: Curved 23">
-                <a:extLst>
-                  <a:ext uri="{FF2B5EF4-FFF2-40B4-BE49-F238E27FC236}">
-                    <a16:creationId xmlns:a16="http://schemas.microsoft.com/office/drawing/2014/main" id="{270DFF4D-E4A5-05FC-C14A-9F632B1B8342}"/>
-                  </a:ext>
-                </a:extLst>
-              </p:cNvPr>
-              <p:cNvCxnSpPr>
-                <a:stCxn id="9" idx="3"/>
-                <a:endCxn id="10" idx="5"/>
-              </p:cNvCxnSpPr>
-              <p:nvPr/>
-            </p:nvCxnSpPr>
-            <p:spPr>
-              <a:xfrm rot="5400000" flipH="1">
-                <a:off x="5718699" y="2988333"/>
-                <a:ext cx="1" cy="6228572"/>
-              </a:xfrm>
-              <a:prstGeom prst="curvedConnector3">
-                <a:avLst>
-                  <a:gd name="adj1" fmla="val -51050600000"/>
-                </a:avLst>
-              </a:prstGeom>
-              <a:ln>
-                <a:tailEnd type="triangle"/>
-              </a:ln>
-            </p:spPr>
-            <p:style>
-              <a:lnRef idx="2">
-                <a:schemeClr val="accent1"/>
-              </a:lnRef>
-              <a:fillRef idx="0">
-                <a:schemeClr val="accent1"/>
-              </a:fillRef>
-              <a:effectRef idx="1">
-                <a:schemeClr val="accent1"/>
-              </a:effectRef>
-              <a:fontRef idx="minor">
-                <a:schemeClr val="tx1"/>
-              </a:fontRef>
-            </p:style>
-          </p:cxnSp>
-          <p:cxnSp>
-            <p:nvCxnSpPr>
-              <p:cNvPr id="26" name="Connector: Curved 25">
-                <a:extLst>
-                  <a:ext uri="{FF2B5EF4-FFF2-40B4-BE49-F238E27FC236}">
-                    <a16:creationId xmlns:a16="http://schemas.microsoft.com/office/drawing/2014/main" id="{AE6DB60A-0F3C-FAED-EC66-04F59152EC89}"/>
-                  </a:ext>
-                </a:extLst>
-              </p:cNvPr>
-              <p:cNvCxnSpPr>
-                <a:cxnSpLocks/>
-                <a:stCxn id="10" idx="2"/>
-                <a:endCxn id="7" idx="2"/>
-              </p:cNvCxnSpPr>
-              <p:nvPr/>
-            </p:nvCxnSpPr>
-            <p:spPr>
-              <a:xfrm rot="10800000">
-                <a:off x="915882" y="1842857"/>
-                <a:ext cx="12700" cy="3579180"/>
-              </a:xfrm>
-              <a:prstGeom prst="curvedConnector3">
-                <a:avLst>
-                  <a:gd name="adj1" fmla="val 5015535"/>
-                </a:avLst>
-              </a:prstGeom>
-              <a:ln>
-                <a:tailEnd type="triangle"/>
-              </a:ln>
-            </p:spPr>
-            <p:style>
-              <a:lnRef idx="2">
-                <a:schemeClr val="accent1"/>
-              </a:lnRef>
-              <a:fillRef idx="0">
-                <a:schemeClr val="accent1"/>
-              </a:fillRef>
-              <a:effectRef idx="1">
-                <a:schemeClr val="accent1"/>
-              </a:effectRef>
-              <a:fontRef idx="minor">
-                <a:schemeClr val="tx1"/>
-              </a:fontRef>
-            </p:style>
-          </p:cxnSp>
-          <p:cxnSp>
-            <p:nvCxnSpPr>
-              <p:cNvPr id="37" name="Connector: Curved 36">
-                <a:extLst>
-                  <a:ext uri="{FF2B5EF4-FFF2-40B4-BE49-F238E27FC236}">
-                    <a16:creationId xmlns:a16="http://schemas.microsoft.com/office/drawing/2014/main" id="{97E493FD-0425-0B6B-F619-1CEAAF23EDF8}"/>
-                  </a:ext>
-                </a:extLst>
-              </p:cNvPr>
-              <p:cNvCxnSpPr>
-                <a:cxnSpLocks/>
-                <a:stCxn id="10" idx="6"/>
-                <a:endCxn id="8" idx="3"/>
-              </p:cNvCxnSpPr>
-              <p:nvPr/>
-            </p:nvCxnSpPr>
-            <p:spPr>
-              <a:xfrm flipV="1">
-                <a:off x="2894120" y="2523437"/>
-                <a:ext cx="5938866" cy="2898600"/>
-              </a:xfrm>
-              <a:prstGeom prst="curvedConnector2">
-                <a:avLst/>
-              </a:prstGeom>
-              <a:ln>
-                <a:tailEnd type="triangle"/>
-              </a:ln>
-            </p:spPr>
-            <p:style>
-              <a:lnRef idx="2">
-                <a:schemeClr val="accent1"/>
-              </a:lnRef>
-              <a:fillRef idx="0">
-                <a:schemeClr val="accent1"/>
-              </a:fillRef>
-              <a:effectRef idx="1">
-                <a:schemeClr val="accent1"/>
-              </a:effectRef>
-              <a:fontRef idx="minor">
-                <a:schemeClr val="tx1"/>
-              </a:fontRef>
-            </p:style>
-          </p:cxnSp>
-          <p:cxnSp>
-            <p:nvCxnSpPr>
-              <p:cNvPr id="40" name="Connector: Curved 39">
-                <a:extLst>
-                  <a:ext uri="{FF2B5EF4-FFF2-40B4-BE49-F238E27FC236}">
-                    <a16:creationId xmlns:a16="http://schemas.microsoft.com/office/drawing/2014/main" id="{C2404B78-BF39-9295-15BD-885F5EE94E72}"/>
-                  </a:ext>
-                </a:extLst>
-              </p:cNvPr>
-              <p:cNvCxnSpPr>
-                <a:cxnSpLocks/>
-                <a:stCxn id="8" idx="2"/>
-                <a:endCxn id="7" idx="5"/>
-              </p:cNvCxnSpPr>
-              <p:nvPr/>
-            </p:nvCxnSpPr>
-            <p:spPr>
-              <a:xfrm rot="10800000" flipV="1">
-                <a:off x="2604414" y="1842856"/>
-                <a:ext cx="5938866" cy="680582"/>
-              </a:xfrm>
-              <a:prstGeom prst="curvedConnector4">
-                <a:avLst>
-                  <a:gd name="adj1" fmla="val 2118"/>
-                  <a:gd name="adj2" fmla="val 125442"/>
-                </a:avLst>
-              </a:prstGeom>
-              <a:ln>
-                <a:tailEnd type="triangle"/>
-              </a:ln>
-            </p:spPr>
-            <p:style>
-              <a:lnRef idx="2">
-                <a:schemeClr val="accent1"/>
-              </a:lnRef>
-              <a:fillRef idx="0">
-                <a:schemeClr val="accent1"/>
-              </a:fillRef>
-              <a:effectRef idx="1">
-                <a:schemeClr val="accent1"/>
-              </a:effectRef>
-              <a:fontRef idx="minor">
-                <a:schemeClr val="tx1"/>
-              </a:fontRef>
-            </p:style>
-          </p:cxnSp>
-          <p:sp>
-            <p:nvSpPr>
-              <p:cNvPr id="58" name="TextBox 57">
-                <a:extLst>
-                  <a:ext uri="{FF2B5EF4-FFF2-40B4-BE49-F238E27FC236}">
-                    <a16:creationId xmlns:a16="http://schemas.microsoft.com/office/drawing/2014/main" id="{F0B66F61-4E76-6FC7-889D-A82EB40890A9}"/>
-                  </a:ext>
-                </a:extLst>
-              </p:cNvPr>
-              <p:cNvSpPr txBox="1"/>
-              <p:nvPr/>
-            </p:nvSpPr>
-            <p:spPr>
-              <a:xfrm>
-                <a:off x="4873841" y="574140"/>
-                <a:ext cx="1137812" cy="369332"/>
-              </a:xfrm>
-              <a:prstGeom prst="rect">
-                <a:avLst/>
-              </a:prstGeom>
-              <a:noFill/>
-            </p:spPr>
-            <p:txBody>
-              <a:bodyPr wrap="none" rtlCol="0">
-                <a:spAutoFit/>
-              </a:bodyPr>
-              <a:lstStyle/>
-              <a:p>
-                <a:r>
-                  <a:rPr lang="en-US" dirty="0"/>
-                  <a:t>Valid == 1</a:t>
-                </a:r>
-              </a:p>
-            </p:txBody>
-          </p:sp>
-          <p:sp>
-            <p:nvSpPr>
-              <p:cNvPr id="59" name="TextBox 58">
-                <a:extLst>
-                  <a:ext uri="{FF2B5EF4-FFF2-40B4-BE49-F238E27FC236}">
-                    <a16:creationId xmlns:a16="http://schemas.microsoft.com/office/drawing/2014/main" id="{97D22280-19BC-3778-D4F7-322D28B787B5}"/>
-                  </a:ext>
-                </a:extLst>
-              </p:cNvPr>
-              <p:cNvSpPr txBox="1"/>
-              <p:nvPr/>
-            </p:nvSpPr>
-            <p:spPr>
-              <a:xfrm>
-                <a:off x="4725741" y="2338771"/>
-                <a:ext cx="1137812" cy="369332"/>
-              </a:xfrm>
-              <a:prstGeom prst="rect">
-                <a:avLst/>
-              </a:prstGeom>
-              <a:noFill/>
-            </p:spPr>
-            <p:txBody>
-              <a:bodyPr wrap="none" rtlCol="0">
-                <a:spAutoFit/>
-              </a:bodyPr>
-              <a:lstStyle/>
-              <a:p>
-                <a:r>
-                  <a:rPr lang="en-US" dirty="0"/>
-                  <a:t>Valid == 0</a:t>
-                </a:r>
-              </a:p>
-            </p:txBody>
-          </p:sp>
-          <p:sp>
-            <p:nvSpPr>
-              <p:cNvPr id="61" name="TextBox 60">
-                <a:extLst>
-                  <a:ext uri="{FF2B5EF4-FFF2-40B4-BE49-F238E27FC236}">
-                    <a16:creationId xmlns:a16="http://schemas.microsoft.com/office/drawing/2014/main" id="{90887E4F-2ECB-F0BC-AC41-B71849B30A02}"/>
-                  </a:ext>
-                </a:extLst>
-              </p:cNvPr>
-              <p:cNvSpPr txBox="1"/>
-              <p:nvPr/>
-            </p:nvSpPr>
-            <p:spPr>
-              <a:xfrm rot="16200000">
-                <a:off x="10434501" y="3381337"/>
-                <a:ext cx="1787092" cy="369332"/>
-              </a:xfrm>
-              <a:prstGeom prst="rect">
-                <a:avLst/>
-              </a:prstGeom>
-              <a:noFill/>
-            </p:spPr>
-            <p:txBody>
-              <a:bodyPr wrap="none" rtlCol="0">
-                <a:spAutoFit/>
-              </a:bodyPr>
-              <a:lstStyle/>
-              <a:p>
-                <a:r>
-                  <a:rPr lang="en-US" dirty="0" err="1"/>
-                  <a:t>Chaos_received</a:t>
-                </a:r>
-                <a:endParaRPr lang="en-US" dirty="0"/>
-              </a:p>
-            </p:txBody>
-          </p:sp>
-          <p:sp>
-            <p:nvSpPr>
-              <p:cNvPr id="63" name="TextBox 62">
-                <a:extLst>
-                  <a:ext uri="{FF2B5EF4-FFF2-40B4-BE49-F238E27FC236}">
-                    <a16:creationId xmlns:a16="http://schemas.microsoft.com/office/drawing/2014/main" id="{D4A460CC-2E4C-7AA4-A507-C51E9F44C710}"/>
-                  </a:ext>
-                </a:extLst>
-              </p:cNvPr>
-              <p:cNvSpPr txBox="1"/>
-              <p:nvPr/>
-            </p:nvSpPr>
-            <p:spPr>
-              <a:xfrm>
-                <a:off x="4725741" y="6199858"/>
-                <a:ext cx="2208874" cy="369332"/>
-              </a:xfrm>
-              <a:prstGeom prst="rect">
-                <a:avLst/>
-              </a:prstGeom>
-              <a:noFill/>
-            </p:spPr>
-            <p:txBody>
-              <a:bodyPr wrap="none" rtlCol="0">
-                <a:spAutoFit/>
-              </a:bodyPr>
-              <a:lstStyle/>
-              <a:p>
-                <a:r>
-                  <a:rPr lang="en-US" dirty="0" err="1"/>
-                  <a:t>Correlation_finished</a:t>
-                </a:r>
-                <a:endParaRPr lang="en-US" dirty="0"/>
-              </a:p>
-            </p:txBody>
-          </p:sp>
-          <p:sp>
-            <p:nvSpPr>
-              <p:cNvPr id="65" name="TextBox 64">
-                <a:extLst>
-                  <a:ext uri="{FF2B5EF4-FFF2-40B4-BE49-F238E27FC236}">
-                    <a16:creationId xmlns:a16="http://schemas.microsoft.com/office/drawing/2014/main" id="{0043DB7D-79E9-3156-DCFB-4D3C9C892CD1}"/>
-                  </a:ext>
-                </a:extLst>
-              </p:cNvPr>
-              <p:cNvSpPr txBox="1"/>
-              <p:nvPr/>
-            </p:nvSpPr>
-            <p:spPr>
-              <a:xfrm rot="5400000">
-                <a:off x="-15166" y="3447781"/>
-                <a:ext cx="1137812" cy="369332"/>
-              </a:xfrm>
-              <a:prstGeom prst="rect">
-                <a:avLst/>
-              </a:prstGeom>
-              <a:noFill/>
-            </p:spPr>
-            <p:txBody>
-              <a:bodyPr wrap="none" rtlCol="0">
-                <a:spAutoFit/>
-              </a:bodyPr>
-              <a:lstStyle/>
-              <a:p>
-                <a:r>
-                  <a:rPr lang="en-US" dirty="0"/>
-                  <a:t>Valid == 0</a:t>
-                </a:r>
-              </a:p>
-            </p:txBody>
-          </p:sp>
-          <p:cxnSp>
-            <p:nvCxnSpPr>
-              <p:cNvPr id="67" name="Connector: Curved 66">
-                <a:extLst>
-                  <a:ext uri="{FF2B5EF4-FFF2-40B4-BE49-F238E27FC236}">
-                    <a16:creationId xmlns:a16="http://schemas.microsoft.com/office/drawing/2014/main" id="{2ABC373A-E946-859F-E502-716C81597F26}"/>
-                  </a:ext>
-                </a:extLst>
-              </p:cNvPr>
-              <p:cNvCxnSpPr>
-                <a:stCxn id="8" idx="0"/>
-                <a:endCxn id="8" idx="7"/>
-              </p:cNvCxnSpPr>
-              <p:nvPr/>
-            </p:nvCxnSpPr>
-            <p:spPr>
-              <a:xfrm rot="16200000" flipH="1">
-                <a:off x="9741152" y="671615"/>
-                <a:ext cx="281906" cy="699413"/>
-              </a:xfrm>
-              <a:prstGeom prst="curvedConnector3">
-                <a:avLst>
-                  <a:gd name="adj1" fmla="val -222805"/>
-                </a:avLst>
-              </a:prstGeom>
-              <a:ln>
-                <a:tailEnd type="triangle"/>
-              </a:ln>
-            </p:spPr>
-            <p:style>
-              <a:lnRef idx="2">
-                <a:schemeClr val="accent1"/>
-              </a:lnRef>
-              <a:fillRef idx="0">
-                <a:schemeClr val="accent1"/>
-              </a:fillRef>
-              <a:effectRef idx="1">
-                <a:schemeClr val="accent1"/>
-              </a:effectRef>
-              <a:fontRef idx="minor">
-                <a:schemeClr val="tx1"/>
-              </a:fontRef>
-            </p:style>
-          </p:cxnSp>
-          <p:cxnSp>
-            <p:nvCxnSpPr>
-              <p:cNvPr id="71" name="Connector: Curved 70">
-                <a:extLst>
-                  <a:ext uri="{FF2B5EF4-FFF2-40B4-BE49-F238E27FC236}">
-                    <a16:creationId xmlns:a16="http://schemas.microsoft.com/office/drawing/2014/main" id="{B134CCD6-CE96-1343-87EF-1C1B9485BF61}"/>
-                  </a:ext>
-                </a:extLst>
-              </p:cNvPr>
-              <p:cNvCxnSpPr>
-                <a:cxnSpLocks/>
-                <a:stCxn id="9" idx="5"/>
-                <a:endCxn id="9" idx="4"/>
-              </p:cNvCxnSpPr>
-              <p:nvPr/>
-            </p:nvCxnSpPr>
-            <p:spPr>
-              <a:xfrm rot="5400000">
-                <a:off x="9741153" y="5893866"/>
-                <a:ext cx="281906" cy="699413"/>
-              </a:xfrm>
-              <a:prstGeom prst="curvedConnector3">
-                <a:avLst>
-                  <a:gd name="adj1" fmla="val 199320"/>
-                </a:avLst>
-              </a:prstGeom>
-              <a:ln>
-                <a:tailEnd type="triangle"/>
-              </a:ln>
-            </p:spPr>
-            <p:style>
-              <a:lnRef idx="2">
-                <a:schemeClr val="accent1"/>
-              </a:lnRef>
-              <a:fillRef idx="0">
-                <a:schemeClr val="accent1"/>
-              </a:fillRef>
-              <a:effectRef idx="1">
-                <a:schemeClr val="accent1"/>
-              </a:effectRef>
-              <a:fontRef idx="minor">
-                <a:schemeClr val="tx1"/>
-              </a:fontRef>
-            </p:style>
-          </p:cxnSp>
-          <p:cxnSp>
-            <p:nvCxnSpPr>
-              <p:cNvPr id="75" name="Connector: Curved 74">
-                <a:extLst>
-                  <a:ext uri="{FF2B5EF4-FFF2-40B4-BE49-F238E27FC236}">
-                    <a16:creationId xmlns:a16="http://schemas.microsoft.com/office/drawing/2014/main" id="{80B87163-FC1D-9774-6DB7-7118F64545C2}"/>
-                  </a:ext>
-                </a:extLst>
-              </p:cNvPr>
-              <p:cNvCxnSpPr>
-                <a:cxnSpLocks/>
-                <a:stCxn id="7" idx="1"/>
-                <a:endCxn id="7" idx="0"/>
-              </p:cNvCxnSpPr>
-              <p:nvPr/>
-            </p:nvCxnSpPr>
-            <p:spPr>
-              <a:xfrm rot="5400000" flipH="1" flipV="1">
-                <a:off x="1414341" y="671616"/>
-                <a:ext cx="281906" cy="699413"/>
-              </a:xfrm>
-              <a:prstGeom prst="curvedConnector3">
-                <a:avLst>
-                  <a:gd name="adj1" fmla="val 215732"/>
-                </a:avLst>
-              </a:prstGeom>
-              <a:ln>
-                <a:tailEnd type="triangle"/>
-              </a:ln>
-            </p:spPr>
-            <p:style>
-              <a:lnRef idx="2">
-                <a:schemeClr val="accent1"/>
-              </a:lnRef>
-              <a:fillRef idx="0">
-                <a:schemeClr val="accent1"/>
-              </a:fillRef>
-              <a:effectRef idx="1">
-                <a:schemeClr val="accent1"/>
-              </a:effectRef>
-              <a:fontRef idx="minor">
-                <a:schemeClr val="tx1"/>
-              </a:fontRef>
-            </p:style>
-          </p:cxnSp>
-        </p:grpSp>
-      </p:grpSp>
+          <a:prstGeom prst="ellipse">
+            <a:avLst/>
+          </a:prstGeom>
+        </p:spPr>
+        <p:style>
+          <a:lnRef idx="2">
+            <a:schemeClr val="accent1">
+              <a:shade val="15000"/>
+            </a:schemeClr>
+          </a:lnRef>
+          <a:fillRef idx="1">
+            <a:schemeClr val="accent1"/>
+          </a:fillRef>
+          <a:effectRef idx="0">
+            <a:schemeClr val="accent1"/>
+          </a:effectRef>
+          <a:fontRef idx="minor">
+            <a:schemeClr val="lt1"/>
+          </a:fontRef>
+        </p:style>
+        <p:txBody>
+          <a:bodyPr rtlCol="0" anchor="ctr"/>
+          <a:lstStyle/>
+          <a:p>
+            <a:pPr algn="ctr"/>
+            <a:r>
+              <a:rPr lang="en-US" dirty="0"/>
+              <a:t>Idle</a:t>
+            </a:r>
+          </a:p>
+        </p:txBody>
+      </p:sp>
+      <p:sp>
+        <p:nvSpPr>
+          <p:cNvPr id="8" name="Oval 7">
+            <a:extLst>
+              <a:ext uri="{FF2B5EF4-FFF2-40B4-BE49-F238E27FC236}">
+                <a16:creationId xmlns:a16="http://schemas.microsoft.com/office/drawing/2014/main" id="{E70D2826-650B-78E4-41C0-22789981A543}"/>
+              </a:ext>
+            </a:extLst>
+          </p:cNvPr>
+          <p:cNvSpPr/>
+          <p:nvPr/>
+        </p:nvSpPr>
+        <p:spPr>
+          <a:xfrm>
+            <a:off x="8374124" y="1766090"/>
+            <a:ext cx="1790386" cy="1628366"/>
+          </a:xfrm>
+          <a:prstGeom prst="ellipse">
+            <a:avLst/>
+          </a:prstGeom>
+        </p:spPr>
+        <p:style>
+          <a:lnRef idx="2">
+            <a:schemeClr val="accent1">
+              <a:shade val="15000"/>
+            </a:schemeClr>
+          </a:lnRef>
+          <a:fillRef idx="1">
+            <a:schemeClr val="accent1"/>
+          </a:fillRef>
+          <a:effectRef idx="0">
+            <a:schemeClr val="accent1"/>
+          </a:effectRef>
+          <a:fontRef idx="minor">
+            <a:schemeClr val="lt1"/>
+          </a:fontRef>
+        </p:style>
+        <p:txBody>
+          <a:bodyPr rtlCol="0" anchor="ctr"/>
+          <a:lstStyle/>
+          <a:p>
+            <a:pPr algn="ctr"/>
+            <a:r>
+              <a:rPr lang="en-US" sz="1200" dirty="0" err="1"/>
+              <a:t>Receiving_data</a:t>
+            </a:r>
+            <a:endParaRPr lang="en-US" sz="1200" dirty="0"/>
+          </a:p>
+        </p:txBody>
+      </p:sp>
+      <p:sp>
+        <p:nvSpPr>
+          <p:cNvPr id="9" name="Oval 8">
+            <a:extLst>
+              <a:ext uri="{FF2B5EF4-FFF2-40B4-BE49-F238E27FC236}">
+                <a16:creationId xmlns:a16="http://schemas.microsoft.com/office/drawing/2014/main" id="{A82DB756-CC9C-BD25-A8C7-F93D50D3F6FC}"/>
+              </a:ext>
+            </a:extLst>
+          </p:cNvPr>
+          <p:cNvSpPr/>
+          <p:nvPr/>
+        </p:nvSpPr>
+        <p:spPr>
+          <a:xfrm>
+            <a:off x="8374124" y="4793776"/>
+            <a:ext cx="1790386" cy="1628366"/>
+          </a:xfrm>
+          <a:prstGeom prst="ellipse">
+            <a:avLst/>
+          </a:prstGeom>
+        </p:spPr>
+        <p:style>
+          <a:lnRef idx="2">
+            <a:schemeClr val="accent1">
+              <a:shade val="15000"/>
+            </a:schemeClr>
+          </a:lnRef>
+          <a:fillRef idx="1">
+            <a:schemeClr val="accent1"/>
+          </a:fillRef>
+          <a:effectRef idx="0">
+            <a:schemeClr val="accent1"/>
+          </a:effectRef>
+          <a:fontRef idx="minor">
+            <a:schemeClr val="lt1"/>
+          </a:fontRef>
+        </p:style>
+        <p:txBody>
+          <a:bodyPr rtlCol="0" anchor="ctr"/>
+          <a:lstStyle/>
+          <a:p>
+            <a:pPr algn="ctr"/>
+            <a:r>
+              <a:rPr lang="en-US" dirty="0"/>
+              <a:t>correlation</a:t>
+            </a:r>
+          </a:p>
+        </p:txBody>
+      </p:sp>
+      <p:sp>
+        <p:nvSpPr>
+          <p:cNvPr id="10" name="Oval 9">
+            <a:extLst>
+              <a:ext uri="{FF2B5EF4-FFF2-40B4-BE49-F238E27FC236}">
+                <a16:creationId xmlns:a16="http://schemas.microsoft.com/office/drawing/2014/main" id="{F5BA10B2-738D-C5C4-BAFF-52D50AD374C9}"/>
+              </a:ext>
+            </a:extLst>
+          </p:cNvPr>
+          <p:cNvSpPr/>
+          <p:nvPr/>
+        </p:nvSpPr>
+        <p:spPr>
+          <a:xfrm>
+            <a:off x="1471019" y="4793775"/>
+            <a:ext cx="1790386" cy="1628366"/>
+          </a:xfrm>
+          <a:prstGeom prst="ellipse">
+            <a:avLst/>
+          </a:prstGeom>
+        </p:spPr>
+        <p:style>
+          <a:lnRef idx="2">
+            <a:schemeClr val="accent1">
+              <a:shade val="15000"/>
+            </a:schemeClr>
+          </a:lnRef>
+          <a:fillRef idx="1">
+            <a:schemeClr val="accent1"/>
+          </a:fillRef>
+          <a:effectRef idx="0">
+            <a:schemeClr val="accent1"/>
+          </a:effectRef>
+          <a:fontRef idx="minor">
+            <a:schemeClr val="lt1"/>
+          </a:fontRef>
+        </p:style>
+        <p:txBody>
+          <a:bodyPr rtlCol="0" anchor="ctr"/>
+          <a:lstStyle/>
+          <a:p>
+            <a:pPr algn="ctr"/>
+            <a:r>
+              <a:rPr lang="en-US" dirty="0" err="1"/>
+              <a:t>Store&amp;out</a:t>
+            </a:r>
+            <a:endParaRPr lang="en-US" dirty="0"/>
+          </a:p>
+        </p:txBody>
+      </p:sp>
+      <p:cxnSp>
+        <p:nvCxnSpPr>
+          <p:cNvPr id="12" name="Connector: Curved 11">
+            <a:extLst>
+              <a:ext uri="{FF2B5EF4-FFF2-40B4-BE49-F238E27FC236}">
+                <a16:creationId xmlns:a16="http://schemas.microsoft.com/office/drawing/2014/main" id="{E4D47032-F8E9-59BB-A130-1BF7175D5826}"/>
+              </a:ext>
+            </a:extLst>
+          </p:cNvPr>
+          <p:cNvCxnSpPr>
+            <a:stCxn id="7" idx="7"/>
+            <a:endCxn id="8" idx="1"/>
+          </p:cNvCxnSpPr>
+          <p:nvPr/>
+        </p:nvCxnSpPr>
+        <p:spPr>
+          <a:xfrm rot="5400000" flipH="1" flipV="1">
+            <a:off x="5817764" y="-813996"/>
+            <a:ext cx="1" cy="5637111"/>
+          </a:xfrm>
+          <a:prstGeom prst="curvedConnector3">
+            <a:avLst>
+              <a:gd name="adj1" fmla="val 51050700000"/>
+            </a:avLst>
+          </a:prstGeom>
+          <a:ln>
+            <a:tailEnd type="triangle"/>
+          </a:ln>
+        </p:spPr>
+        <p:style>
+          <a:lnRef idx="2">
+            <a:schemeClr val="accent1"/>
+          </a:lnRef>
+          <a:fillRef idx="0">
+            <a:schemeClr val="accent1"/>
+          </a:fillRef>
+          <a:effectRef idx="1">
+            <a:schemeClr val="accent1"/>
+          </a:effectRef>
+          <a:fontRef idx="minor">
+            <a:schemeClr val="tx1"/>
+          </a:fontRef>
+        </p:style>
+      </p:cxnSp>
+      <p:cxnSp>
+        <p:nvCxnSpPr>
+          <p:cNvPr id="16" name="Connector: Curved 15">
+            <a:extLst>
+              <a:ext uri="{FF2B5EF4-FFF2-40B4-BE49-F238E27FC236}">
+                <a16:creationId xmlns:a16="http://schemas.microsoft.com/office/drawing/2014/main" id="{302884CD-6AC0-D92D-77A4-63F93AF77EB0}"/>
+              </a:ext>
+            </a:extLst>
+          </p:cNvPr>
+          <p:cNvCxnSpPr>
+            <a:cxnSpLocks/>
+            <a:stCxn id="8" idx="6"/>
+            <a:endCxn id="9" idx="6"/>
+          </p:cNvCxnSpPr>
+          <p:nvPr/>
+        </p:nvCxnSpPr>
+        <p:spPr>
+          <a:xfrm>
+            <a:off x="10164510" y="2580274"/>
+            <a:ext cx="11494" cy="3027686"/>
+          </a:xfrm>
+          <a:prstGeom prst="curvedConnector3">
+            <a:avLst>
+              <a:gd name="adj1" fmla="val 5015535"/>
+            </a:avLst>
+          </a:prstGeom>
+          <a:ln>
+            <a:tailEnd type="triangle"/>
+          </a:ln>
+        </p:spPr>
+        <p:style>
+          <a:lnRef idx="2">
+            <a:schemeClr val="accent1"/>
+          </a:lnRef>
+          <a:fillRef idx="0">
+            <a:schemeClr val="accent1"/>
+          </a:fillRef>
+          <a:effectRef idx="1">
+            <a:schemeClr val="accent1"/>
+          </a:effectRef>
+          <a:fontRef idx="minor">
+            <a:schemeClr val="tx1"/>
+          </a:fontRef>
+        </p:style>
+      </p:cxnSp>
+      <p:cxnSp>
+        <p:nvCxnSpPr>
+          <p:cNvPr id="24" name="Connector: Curved 23">
+            <a:extLst>
+              <a:ext uri="{FF2B5EF4-FFF2-40B4-BE49-F238E27FC236}">
+                <a16:creationId xmlns:a16="http://schemas.microsoft.com/office/drawing/2014/main" id="{270DFF4D-E4A5-05FC-C14A-9F632B1B8342}"/>
+              </a:ext>
+            </a:extLst>
+          </p:cNvPr>
+          <p:cNvCxnSpPr>
+            <a:stCxn id="9" idx="3"/>
+            <a:endCxn id="10" idx="5"/>
+          </p:cNvCxnSpPr>
+          <p:nvPr/>
+        </p:nvCxnSpPr>
+        <p:spPr>
+          <a:xfrm rot="5400000" flipH="1">
+            <a:off x="5817763" y="3365118"/>
+            <a:ext cx="1" cy="5637111"/>
+          </a:xfrm>
+          <a:prstGeom prst="curvedConnector3">
+            <a:avLst>
+              <a:gd name="adj1" fmla="val -51050600000"/>
+            </a:avLst>
+          </a:prstGeom>
+          <a:ln>
+            <a:tailEnd type="triangle"/>
+          </a:ln>
+        </p:spPr>
+        <p:style>
+          <a:lnRef idx="2">
+            <a:schemeClr val="accent1"/>
+          </a:lnRef>
+          <a:fillRef idx="0">
+            <a:schemeClr val="accent1"/>
+          </a:fillRef>
+          <a:effectRef idx="1">
+            <a:schemeClr val="accent1"/>
+          </a:effectRef>
+          <a:fontRef idx="minor">
+            <a:schemeClr val="tx1"/>
+          </a:fontRef>
+        </p:style>
+      </p:cxnSp>
+      <p:cxnSp>
+        <p:nvCxnSpPr>
+          <p:cNvPr id="26" name="Connector: Curved 25">
+            <a:extLst>
+              <a:ext uri="{FF2B5EF4-FFF2-40B4-BE49-F238E27FC236}">
+                <a16:creationId xmlns:a16="http://schemas.microsoft.com/office/drawing/2014/main" id="{AE6DB60A-0F3C-FAED-EC66-04F59152EC89}"/>
+              </a:ext>
+            </a:extLst>
+          </p:cNvPr>
+          <p:cNvCxnSpPr>
+            <a:cxnSpLocks/>
+            <a:stCxn id="10" idx="2"/>
+            <a:endCxn id="7" idx="2"/>
+          </p:cNvCxnSpPr>
+          <p:nvPr/>
+        </p:nvCxnSpPr>
+        <p:spPr>
+          <a:xfrm rot="10800000">
+            <a:off x="1471019" y="2580274"/>
+            <a:ext cx="11494" cy="3027684"/>
+          </a:xfrm>
+          <a:prstGeom prst="curvedConnector3">
+            <a:avLst>
+              <a:gd name="adj1" fmla="val 5015535"/>
+            </a:avLst>
+          </a:prstGeom>
+          <a:ln>
+            <a:tailEnd type="triangle"/>
+          </a:ln>
+        </p:spPr>
+        <p:style>
+          <a:lnRef idx="2">
+            <a:schemeClr val="accent1"/>
+          </a:lnRef>
+          <a:fillRef idx="0">
+            <a:schemeClr val="accent1"/>
+          </a:fillRef>
+          <a:effectRef idx="1">
+            <a:schemeClr val="accent1"/>
+          </a:effectRef>
+          <a:fontRef idx="minor">
+            <a:schemeClr val="tx1"/>
+          </a:fontRef>
+        </p:style>
+      </p:cxnSp>
+      <p:cxnSp>
+        <p:nvCxnSpPr>
+          <p:cNvPr id="37" name="Connector: Curved 36">
+            <a:extLst>
+              <a:ext uri="{FF2B5EF4-FFF2-40B4-BE49-F238E27FC236}">
+                <a16:creationId xmlns:a16="http://schemas.microsoft.com/office/drawing/2014/main" id="{97E493FD-0425-0B6B-F619-1CEAAF23EDF8}"/>
+              </a:ext>
+            </a:extLst>
+          </p:cNvPr>
+          <p:cNvCxnSpPr>
+            <a:cxnSpLocks/>
+            <a:stCxn id="10" idx="6"/>
+            <a:endCxn id="8" idx="3"/>
+          </p:cNvCxnSpPr>
+          <p:nvPr/>
+        </p:nvCxnSpPr>
+        <p:spPr>
+          <a:xfrm flipV="1">
+            <a:off x="3261404" y="3155988"/>
+            <a:ext cx="5374916" cy="2451971"/>
+          </a:xfrm>
+          <a:prstGeom prst="curvedConnector2">
+            <a:avLst/>
+          </a:prstGeom>
+          <a:ln>
+            <a:tailEnd type="triangle"/>
+          </a:ln>
+        </p:spPr>
+        <p:style>
+          <a:lnRef idx="2">
+            <a:schemeClr val="accent1"/>
+          </a:lnRef>
+          <a:fillRef idx="0">
+            <a:schemeClr val="accent1"/>
+          </a:fillRef>
+          <a:effectRef idx="1">
+            <a:schemeClr val="accent1"/>
+          </a:effectRef>
+          <a:fontRef idx="minor">
+            <a:schemeClr val="tx1"/>
+          </a:fontRef>
+        </p:style>
+      </p:cxnSp>
+      <p:cxnSp>
+        <p:nvCxnSpPr>
+          <p:cNvPr id="40" name="Connector: Curved 39">
+            <a:extLst>
+              <a:ext uri="{FF2B5EF4-FFF2-40B4-BE49-F238E27FC236}">
+                <a16:creationId xmlns:a16="http://schemas.microsoft.com/office/drawing/2014/main" id="{C2404B78-BF39-9295-15BD-885F5EE94E72}"/>
+              </a:ext>
+            </a:extLst>
+          </p:cNvPr>
+          <p:cNvCxnSpPr>
+            <a:cxnSpLocks/>
+            <a:stCxn id="8" idx="2"/>
+            <a:endCxn id="7" idx="5"/>
+          </p:cNvCxnSpPr>
+          <p:nvPr/>
+        </p:nvCxnSpPr>
+        <p:spPr>
+          <a:xfrm rot="10800000" flipV="1">
+            <a:off x="2999209" y="2580274"/>
+            <a:ext cx="5374916" cy="575715"/>
+          </a:xfrm>
+          <a:prstGeom prst="curvedConnector4">
+            <a:avLst>
+              <a:gd name="adj1" fmla="val 2118"/>
+              <a:gd name="adj2" fmla="val 125442"/>
+            </a:avLst>
+          </a:prstGeom>
+          <a:ln>
+            <a:tailEnd type="triangle"/>
+          </a:ln>
+        </p:spPr>
+        <p:style>
+          <a:lnRef idx="2">
+            <a:schemeClr val="accent1"/>
+          </a:lnRef>
+          <a:fillRef idx="0">
+            <a:schemeClr val="accent1"/>
+          </a:fillRef>
+          <a:effectRef idx="1">
+            <a:schemeClr val="accent1"/>
+          </a:effectRef>
+          <a:fontRef idx="minor">
+            <a:schemeClr val="tx1"/>
+          </a:fontRef>
+        </p:style>
+      </p:cxnSp>
+      <p:sp>
+        <p:nvSpPr>
+          <p:cNvPr id="58" name="TextBox 57">
+            <a:extLst>
+              <a:ext uri="{FF2B5EF4-FFF2-40B4-BE49-F238E27FC236}">
+                <a16:creationId xmlns:a16="http://schemas.microsoft.com/office/drawing/2014/main" id="{F0B66F61-4E76-6FC7-889D-A82EB40890A9}"/>
+              </a:ext>
+            </a:extLst>
+          </p:cNvPr>
+          <p:cNvSpPr txBox="1"/>
+          <p:nvPr/>
+        </p:nvSpPr>
+        <p:spPr>
+          <a:xfrm>
+            <a:off x="5053133" y="1507047"/>
+            <a:ext cx="1029766" cy="312424"/>
+          </a:xfrm>
+          <a:prstGeom prst="rect">
+            <a:avLst/>
+          </a:prstGeom>
+          <a:noFill/>
+        </p:spPr>
+        <p:txBody>
+          <a:bodyPr wrap="none" rtlCol="0">
+            <a:spAutoFit/>
+          </a:bodyPr>
+          <a:lstStyle/>
+          <a:p>
+            <a:r>
+              <a:rPr lang="en-US" dirty="0"/>
+              <a:t>Valid == 1</a:t>
+            </a:r>
+          </a:p>
+        </p:txBody>
+      </p:sp>
+      <p:sp>
+        <p:nvSpPr>
+          <p:cNvPr id="59" name="TextBox 58">
+            <a:extLst>
+              <a:ext uri="{FF2B5EF4-FFF2-40B4-BE49-F238E27FC236}">
+                <a16:creationId xmlns:a16="http://schemas.microsoft.com/office/drawing/2014/main" id="{97D22280-19BC-3778-D4F7-322D28B787B5}"/>
+              </a:ext>
+            </a:extLst>
+          </p:cNvPr>
+          <p:cNvSpPr txBox="1"/>
+          <p:nvPr/>
+        </p:nvSpPr>
+        <p:spPr>
+          <a:xfrm>
+            <a:off x="4919096" y="2999776"/>
+            <a:ext cx="1029766" cy="312424"/>
+          </a:xfrm>
+          <a:prstGeom prst="rect">
+            <a:avLst/>
+          </a:prstGeom>
+          <a:noFill/>
+        </p:spPr>
+        <p:txBody>
+          <a:bodyPr wrap="none" rtlCol="0">
+            <a:spAutoFit/>
+          </a:bodyPr>
+          <a:lstStyle/>
+          <a:p>
+            <a:r>
+              <a:rPr lang="en-US" dirty="0"/>
+              <a:t>Valid == 0</a:t>
+            </a:r>
+          </a:p>
+        </p:txBody>
+      </p:sp>
+      <p:sp>
+        <p:nvSpPr>
+          <p:cNvPr id="61" name="TextBox 60">
+            <a:extLst>
+              <a:ext uri="{FF2B5EF4-FFF2-40B4-BE49-F238E27FC236}">
+                <a16:creationId xmlns:a16="http://schemas.microsoft.com/office/drawing/2014/main" id="{90887E4F-2ECB-F0BC-AC41-B71849B30A02}"/>
+              </a:ext>
+            </a:extLst>
+          </p:cNvPr>
+          <p:cNvSpPr txBox="1"/>
+          <p:nvPr/>
+        </p:nvSpPr>
+        <p:spPr>
+          <a:xfrm rot="16200000">
+            <a:off x="10138587" y="3870780"/>
+            <a:ext cx="1511729" cy="334260"/>
+          </a:xfrm>
+          <a:prstGeom prst="rect">
+            <a:avLst/>
+          </a:prstGeom>
+          <a:noFill/>
+        </p:spPr>
+        <p:txBody>
+          <a:bodyPr wrap="none" rtlCol="0">
+            <a:spAutoFit/>
+          </a:bodyPr>
+          <a:lstStyle/>
+          <a:p>
+            <a:r>
+              <a:rPr lang="en-US" dirty="0" err="1"/>
+              <a:t>Chaos_received</a:t>
+            </a:r>
+            <a:endParaRPr lang="en-US" dirty="0"/>
+          </a:p>
+        </p:txBody>
+      </p:sp>
+      <p:sp>
+        <p:nvSpPr>
+          <p:cNvPr id="63" name="TextBox 62">
+            <a:extLst>
+              <a:ext uri="{FF2B5EF4-FFF2-40B4-BE49-F238E27FC236}">
+                <a16:creationId xmlns:a16="http://schemas.microsoft.com/office/drawing/2014/main" id="{D4A460CC-2E4C-7AA4-A507-C51E9F44C710}"/>
+              </a:ext>
+            </a:extLst>
+          </p:cNvPr>
+          <p:cNvSpPr txBox="1"/>
+          <p:nvPr/>
+        </p:nvSpPr>
+        <p:spPr>
+          <a:xfrm>
+            <a:off x="4919096" y="6265929"/>
+            <a:ext cx="1999121" cy="312424"/>
+          </a:xfrm>
+          <a:prstGeom prst="rect">
+            <a:avLst/>
+          </a:prstGeom>
+          <a:noFill/>
+        </p:spPr>
+        <p:txBody>
+          <a:bodyPr wrap="none" rtlCol="0">
+            <a:spAutoFit/>
+          </a:bodyPr>
+          <a:lstStyle/>
+          <a:p>
+            <a:r>
+              <a:rPr lang="en-US" dirty="0" err="1"/>
+              <a:t>Correlation_finished</a:t>
+            </a:r>
+            <a:endParaRPr lang="en-US" dirty="0"/>
+          </a:p>
+        </p:txBody>
+      </p:sp>
+      <p:sp>
+        <p:nvSpPr>
+          <p:cNvPr id="65" name="TextBox 64">
+            <a:extLst>
+              <a:ext uri="{FF2B5EF4-FFF2-40B4-BE49-F238E27FC236}">
+                <a16:creationId xmlns:a16="http://schemas.microsoft.com/office/drawing/2014/main" id="{0043DB7D-79E9-3156-DCFB-4D3C9C892CD1}"/>
+              </a:ext>
+            </a:extLst>
+          </p:cNvPr>
+          <p:cNvSpPr txBox="1"/>
+          <p:nvPr/>
+        </p:nvSpPr>
+        <p:spPr>
+          <a:xfrm rot="5400000">
+            <a:off x="662019" y="3926986"/>
+            <a:ext cx="962493" cy="334260"/>
+          </a:xfrm>
+          <a:prstGeom prst="rect">
+            <a:avLst/>
+          </a:prstGeom>
+          <a:noFill/>
+        </p:spPr>
+        <p:txBody>
+          <a:bodyPr wrap="none" rtlCol="0">
+            <a:spAutoFit/>
+          </a:bodyPr>
+          <a:lstStyle/>
+          <a:p>
+            <a:r>
+              <a:rPr lang="en-US" dirty="0"/>
+              <a:t>Valid == 0</a:t>
+            </a:r>
+          </a:p>
+        </p:txBody>
+      </p:sp>
+      <p:cxnSp>
+        <p:nvCxnSpPr>
+          <p:cNvPr id="67" name="Connector: Curved 66">
+            <a:extLst>
+              <a:ext uri="{FF2B5EF4-FFF2-40B4-BE49-F238E27FC236}">
+                <a16:creationId xmlns:a16="http://schemas.microsoft.com/office/drawing/2014/main" id="{2ABC373A-E946-859F-E502-716C81597F26}"/>
+              </a:ext>
+            </a:extLst>
+          </p:cNvPr>
+          <p:cNvCxnSpPr>
+            <a:stCxn id="8" idx="0"/>
+            <a:endCxn id="8" idx="7"/>
+          </p:cNvCxnSpPr>
+          <p:nvPr/>
+        </p:nvCxnSpPr>
+        <p:spPr>
+          <a:xfrm rot="16200000" flipH="1">
+            <a:off x="9466581" y="1568826"/>
+            <a:ext cx="238469" cy="632997"/>
+          </a:xfrm>
+          <a:prstGeom prst="curvedConnector3">
+            <a:avLst>
+              <a:gd name="adj1" fmla="val -222805"/>
+            </a:avLst>
+          </a:prstGeom>
+          <a:ln>
+            <a:tailEnd type="triangle"/>
+          </a:ln>
+        </p:spPr>
+        <p:style>
+          <a:lnRef idx="2">
+            <a:schemeClr val="accent1"/>
+          </a:lnRef>
+          <a:fillRef idx="0">
+            <a:schemeClr val="accent1"/>
+          </a:fillRef>
+          <a:effectRef idx="1">
+            <a:schemeClr val="accent1"/>
+          </a:effectRef>
+          <a:fontRef idx="minor">
+            <a:schemeClr val="tx1"/>
+          </a:fontRef>
+        </p:style>
+      </p:cxnSp>
+      <p:cxnSp>
+        <p:nvCxnSpPr>
+          <p:cNvPr id="71" name="Connector: Curved 70">
+            <a:extLst>
+              <a:ext uri="{FF2B5EF4-FFF2-40B4-BE49-F238E27FC236}">
+                <a16:creationId xmlns:a16="http://schemas.microsoft.com/office/drawing/2014/main" id="{B134CCD6-CE96-1343-87EF-1C1B9485BF61}"/>
+              </a:ext>
+            </a:extLst>
+          </p:cNvPr>
+          <p:cNvCxnSpPr>
+            <a:cxnSpLocks/>
+            <a:stCxn id="9" idx="5"/>
+            <a:endCxn id="9" idx="4"/>
+          </p:cNvCxnSpPr>
+          <p:nvPr/>
+        </p:nvCxnSpPr>
+        <p:spPr>
+          <a:xfrm rot="5400000">
+            <a:off x="9466582" y="5986409"/>
+            <a:ext cx="238469" cy="632997"/>
+          </a:xfrm>
+          <a:prstGeom prst="curvedConnector3">
+            <a:avLst>
+              <a:gd name="adj1" fmla="val 199320"/>
+            </a:avLst>
+          </a:prstGeom>
+          <a:ln>
+            <a:tailEnd type="triangle"/>
+          </a:ln>
+        </p:spPr>
+        <p:style>
+          <a:lnRef idx="2">
+            <a:schemeClr val="accent1"/>
+          </a:lnRef>
+          <a:fillRef idx="0">
+            <a:schemeClr val="accent1"/>
+          </a:fillRef>
+          <a:effectRef idx="1">
+            <a:schemeClr val="accent1"/>
+          </a:effectRef>
+          <a:fontRef idx="minor">
+            <a:schemeClr val="tx1"/>
+          </a:fontRef>
+        </p:style>
+      </p:cxnSp>
+      <p:cxnSp>
+        <p:nvCxnSpPr>
+          <p:cNvPr id="75" name="Connector: Curved 74">
+            <a:extLst>
+              <a:ext uri="{FF2B5EF4-FFF2-40B4-BE49-F238E27FC236}">
+                <a16:creationId xmlns:a16="http://schemas.microsoft.com/office/drawing/2014/main" id="{80B87163-FC1D-9774-6DB7-7118F64545C2}"/>
+              </a:ext>
+            </a:extLst>
+          </p:cNvPr>
+          <p:cNvCxnSpPr>
+            <a:cxnSpLocks/>
+            <a:stCxn id="7" idx="1"/>
+            <a:endCxn id="7" idx="0"/>
+          </p:cNvCxnSpPr>
+          <p:nvPr/>
+        </p:nvCxnSpPr>
+        <p:spPr>
+          <a:xfrm rot="5400000" flipH="1" flipV="1">
+            <a:off x="1930478" y="1568827"/>
+            <a:ext cx="238469" cy="632997"/>
+          </a:xfrm>
+          <a:prstGeom prst="curvedConnector3">
+            <a:avLst>
+              <a:gd name="adj1" fmla="val 215732"/>
+            </a:avLst>
+          </a:prstGeom>
+          <a:ln>
+            <a:tailEnd type="triangle"/>
+          </a:ln>
+        </p:spPr>
+        <p:style>
+          <a:lnRef idx="2">
+            <a:schemeClr val="accent1"/>
+          </a:lnRef>
+          <a:fillRef idx="0">
+            <a:schemeClr val="accent1"/>
+          </a:fillRef>
+          <a:effectRef idx="1">
+            <a:schemeClr val="accent1"/>
+          </a:effectRef>
+          <a:fontRef idx="minor">
+            <a:schemeClr val="tx1"/>
+          </a:fontRef>
+        </p:style>
+      </p:cxnSp>
       <p:sp>
         <p:nvSpPr>
           <p:cNvPr id="81" name="Title 1">
@@ -4927,6 +5216,947 @@
   <p:clrMapOvr>
     <a:masterClrMapping/>
   </p:clrMapOvr>
+  <p:timing>
+    <p:tnLst>
+      <p:par>
+        <p:cTn id="1" dur="indefinite" restart="never" nodeType="tmRoot">
+          <p:childTnLst>
+            <p:seq concurrent="1" nextAc="seek">
+              <p:cTn id="2" dur="indefinite" nodeType="mainSeq">
+                <p:childTnLst>
+                  <p:par>
+                    <p:cTn id="3" fill="hold">
+                      <p:stCondLst>
+                        <p:cond delay="indefinite"/>
+                      </p:stCondLst>
+                      <p:childTnLst>
+                        <p:par>
+                          <p:cTn id="4" fill="hold">
+                            <p:stCondLst>
+                              <p:cond delay="0"/>
+                            </p:stCondLst>
+                            <p:childTnLst>
+                              <p:par>
+                                <p:cTn id="5" presetID="10" presetClass="entr" presetSubtype="0" fill="hold" grpId="0" nodeType="clickEffect">
+                                  <p:stCondLst>
+                                    <p:cond delay="0"/>
+                                  </p:stCondLst>
+                                  <p:childTnLst>
+                                    <p:set>
+                                      <p:cBhvr>
+                                        <p:cTn id="6" dur="1" fill="hold">
+                                          <p:stCondLst>
+                                            <p:cond delay="0"/>
+                                          </p:stCondLst>
+                                        </p:cTn>
+                                        <p:tgtEl>
+                                          <p:spTgt spid="7"/>
+                                        </p:tgtEl>
+                                        <p:attrNameLst>
+                                          <p:attrName>style.visibility</p:attrName>
+                                        </p:attrNameLst>
+                                      </p:cBhvr>
+                                      <p:to>
+                                        <p:strVal val="visible"/>
+                                      </p:to>
+                                    </p:set>
+                                    <p:animEffect transition="in" filter="fade">
+                                      <p:cBhvr>
+                                        <p:cTn id="7" dur="500"/>
+                                        <p:tgtEl>
+                                          <p:spTgt spid="7"/>
+                                        </p:tgtEl>
+                                      </p:cBhvr>
+                                    </p:animEffect>
+                                  </p:childTnLst>
+                                </p:cTn>
+                              </p:par>
+                            </p:childTnLst>
+                          </p:cTn>
+                        </p:par>
+                      </p:childTnLst>
+                    </p:cTn>
+                  </p:par>
+                  <p:par>
+                    <p:cTn id="8" fill="hold">
+                      <p:stCondLst>
+                        <p:cond delay="indefinite"/>
+                      </p:stCondLst>
+                      <p:childTnLst>
+                        <p:par>
+                          <p:cTn id="9" fill="hold">
+                            <p:stCondLst>
+                              <p:cond delay="0"/>
+                            </p:stCondLst>
+                            <p:childTnLst>
+                              <p:par>
+                                <p:cTn id="10" presetID="10" presetClass="entr" presetSubtype="0" fill="hold" nodeType="clickEffect">
+                                  <p:stCondLst>
+                                    <p:cond delay="0"/>
+                                  </p:stCondLst>
+                                  <p:childTnLst>
+                                    <p:set>
+                                      <p:cBhvr>
+                                        <p:cTn id="11" dur="1" fill="hold">
+                                          <p:stCondLst>
+                                            <p:cond delay="0"/>
+                                          </p:stCondLst>
+                                        </p:cTn>
+                                        <p:tgtEl>
+                                          <p:spTgt spid="75"/>
+                                        </p:tgtEl>
+                                        <p:attrNameLst>
+                                          <p:attrName>style.visibility</p:attrName>
+                                        </p:attrNameLst>
+                                      </p:cBhvr>
+                                      <p:to>
+                                        <p:strVal val="visible"/>
+                                      </p:to>
+                                    </p:set>
+                                    <p:animEffect transition="in" filter="fade">
+                                      <p:cBhvr>
+                                        <p:cTn id="12" dur="500"/>
+                                        <p:tgtEl>
+                                          <p:spTgt spid="75"/>
+                                        </p:tgtEl>
+                                      </p:cBhvr>
+                                    </p:animEffect>
+                                  </p:childTnLst>
+                                </p:cTn>
+                              </p:par>
+                            </p:childTnLst>
+                          </p:cTn>
+                        </p:par>
+                      </p:childTnLst>
+                    </p:cTn>
+                  </p:par>
+                  <p:par>
+                    <p:cTn id="13" fill="hold">
+                      <p:stCondLst>
+                        <p:cond delay="indefinite"/>
+                      </p:stCondLst>
+                      <p:childTnLst>
+                        <p:par>
+                          <p:cTn id="14" fill="hold">
+                            <p:stCondLst>
+                              <p:cond delay="0"/>
+                            </p:stCondLst>
+                            <p:childTnLst>
+                              <p:par>
+                                <p:cTn id="15" presetID="10" presetClass="entr" presetSubtype="0" fill="hold" nodeType="clickEffect">
+                                  <p:stCondLst>
+                                    <p:cond delay="0"/>
+                                  </p:stCondLst>
+                                  <p:childTnLst>
+                                    <p:set>
+                                      <p:cBhvr>
+                                        <p:cTn id="16" dur="1" fill="hold">
+                                          <p:stCondLst>
+                                            <p:cond delay="0"/>
+                                          </p:stCondLst>
+                                        </p:cTn>
+                                        <p:tgtEl>
+                                          <p:spTgt spid="12"/>
+                                        </p:tgtEl>
+                                        <p:attrNameLst>
+                                          <p:attrName>style.visibility</p:attrName>
+                                        </p:attrNameLst>
+                                      </p:cBhvr>
+                                      <p:to>
+                                        <p:strVal val="visible"/>
+                                      </p:to>
+                                    </p:set>
+                                    <p:animEffect transition="in" filter="fade">
+                                      <p:cBhvr>
+                                        <p:cTn id="17" dur="500"/>
+                                        <p:tgtEl>
+                                          <p:spTgt spid="12"/>
+                                        </p:tgtEl>
+                                      </p:cBhvr>
+                                    </p:animEffect>
+                                  </p:childTnLst>
+                                </p:cTn>
+                              </p:par>
+                              <p:par>
+                                <p:cTn id="18" presetID="10" presetClass="entr" presetSubtype="0" fill="hold" grpId="0" nodeType="withEffect">
+                                  <p:stCondLst>
+                                    <p:cond delay="0"/>
+                                  </p:stCondLst>
+                                  <p:childTnLst>
+                                    <p:set>
+                                      <p:cBhvr>
+                                        <p:cTn id="19" dur="1" fill="hold">
+                                          <p:stCondLst>
+                                            <p:cond delay="0"/>
+                                          </p:stCondLst>
+                                        </p:cTn>
+                                        <p:tgtEl>
+                                          <p:spTgt spid="58"/>
+                                        </p:tgtEl>
+                                        <p:attrNameLst>
+                                          <p:attrName>style.visibility</p:attrName>
+                                        </p:attrNameLst>
+                                      </p:cBhvr>
+                                      <p:to>
+                                        <p:strVal val="visible"/>
+                                      </p:to>
+                                    </p:set>
+                                    <p:animEffect transition="in" filter="fade">
+                                      <p:cBhvr>
+                                        <p:cTn id="20" dur="500"/>
+                                        <p:tgtEl>
+                                          <p:spTgt spid="58"/>
+                                        </p:tgtEl>
+                                      </p:cBhvr>
+                                    </p:animEffect>
+                                  </p:childTnLst>
+                                </p:cTn>
+                              </p:par>
+                            </p:childTnLst>
+                          </p:cTn>
+                        </p:par>
+                      </p:childTnLst>
+                    </p:cTn>
+                  </p:par>
+                  <p:par>
+                    <p:cTn id="21" fill="hold">
+                      <p:stCondLst>
+                        <p:cond delay="indefinite"/>
+                      </p:stCondLst>
+                      <p:childTnLst>
+                        <p:par>
+                          <p:cTn id="22" fill="hold">
+                            <p:stCondLst>
+                              <p:cond delay="0"/>
+                            </p:stCondLst>
+                            <p:childTnLst>
+                              <p:par>
+                                <p:cTn id="23" presetID="10" presetClass="entr" presetSubtype="0" fill="hold" grpId="0" nodeType="clickEffect">
+                                  <p:stCondLst>
+                                    <p:cond delay="0"/>
+                                  </p:stCondLst>
+                                  <p:childTnLst>
+                                    <p:set>
+                                      <p:cBhvr>
+                                        <p:cTn id="24" dur="1" fill="hold">
+                                          <p:stCondLst>
+                                            <p:cond delay="0"/>
+                                          </p:stCondLst>
+                                        </p:cTn>
+                                        <p:tgtEl>
+                                          <p:spTgt spid="8"/>
+                                        </p:tgtEl>
+                                        <p:attrNameLst>
+                                          <p:attrName>style.visibility</p:attrName>
+                                        </p:attrNameLst>
+                                      </p:cBhvr>
+                                      <p:to>
+                                        <p:strVal val="visible"/>
+                                      </p:to>
+                                    </p:set>
+                                    <p:animEffect transition="in" filter="fade">
+                                      <p:cBhvr>
+                                        <p:cTn id="25" dur="500"/>
+                                        <p:tgtEl>
+                                          <p:spTgt spid="8"/>
+                                        </p:tgtEl>
+                                      </p:cBhvr>
+                                    </p:animEffect>
+                                  </p:childTnLst>
+                                </p:cTn>
+                              </p:par>
+                            </p:childTnLst>
+                          </p:cTn>
+                        </p:par>
+                      </p:childTnLst>
+                    </p:cTn>
+                  </p:par>
+                  <p:par>
+                    <p:cTn id="26" fill="hold">
+                      <p:stCondLst>
+                        <p:cond delay="indefinite"/>
+                      </p:stCondLst>
+                      <p:childTnLst>
+                        <p:par>
+                          <p:cTn id="27" fill="hold">
+                            <p:stCondLst>
+                              <p:cond delay="0"/>
+                            </p:stCondLst>
+                            <p:childTnLst>
+                              <p:par>
+                                <p:cTn id="28" presetID="10" presetClass="entr" presetSubtype="0" fill="hold" nodeType="clickEffect">
+                                  <p:stCondLst>
+                                    <p:cond delay="0"/>
+                                  </p:stCondLst>
+                                  <p:childTnLst>
+                                    <p:set>
+                                      <p:cBhvr>
+                                        <p:cTn id="29" dur="1" fill="hold">
+                                          <p:stCondLst>
+                                            <p:cond delay="0"/>
+                                          </p:stCondLst>
+                                        </p:cTn>
+                                        <p:tgtEl>
+                                          <p:spTgt spid="67"/>
+                                        </p:tgtEl>
+                                        <p:attrNameLst>
+                                          <p:attrName>style.visibility</p:attrName>
+                                        </p:attrNameLst>
+                                      </p:cBhvr>
+                                      <p:to>
+                                        <p:strVal val="visible"/>
+                                      </p:to>
+                                    </p:set>
+                                    <p:animEffect transition="in" filter="fade">
+                                      <p:cBhvr>
+                                        <p:cTn id="30" dur="500"/>
+                                        <p:tgtEl>
+                                          <p:spTgt spid="67"/>
+                                        </p:tgtEl>
+                                      </p:cBhvr>
+                                    </p:animEffect>
+                                  </p:childTnLst>
+                                </p:cTn>
+                              </p:par>
+                            </p:childTnLst>
+                          </p:cTn>
+                        </p:par>
+                      </p:childTnLst>
+                    </p:cTn>
+                  </p:par>
+                  <p:par>
+                    <p:cTn id="31" fill="hold">
+                      <p:stCondLst>
+                        <p:cond delay="indefinite"/>
+                      </p:stCondLst>
+                      <p:childTnLst>
+                        <p:par>
+                          <p:cTn id="32" fill="hold">
+                            <p:stCondLst>
+                              <p:cond delay="0"/>
+                            </p:stCondLst>
+                            <p:childTnLst>
+                              <p:par>
+                                <p:cTn id="33" presetID="10" presetClass="entr" presetSubtype="0" fill="hold" nodeType="clickEffect">
+                                  <p:stCondLst>
+                                    <p:cond delay="0"/>
+                                  </p:stCondLst>
+                                  <p:childTnLst>
+                                    <p:set>
+                                      <p:cBhvr>
+                                        <p:cTn id="34" dur="1" fill="hold">
+                                          <p:stCondLst>
+                                            <p:cond delay="0"/>
+                                          </p:stCondLst>
+                                        </p:cTn>
+                                        <p:tgtEl>
+                                          <p:spTgt spid="40"/>
+                                        </p:tgtEl>
+                                        <p:attrNameLst>
+                                          <p:attrName>style.visibility</p:attrName>
+                                        </p:attrNameLst>
+                                      </p:cBhvr>
+                                      <p:to>
+                                        <p:strVal val="visible"/>
+                                      </p:to>
+                                    </p:set>
+                                    <p:animEffect transition="in" filter="fade">
+                                      <p:cBhvr>
+                                        <p:cTn id="35" dur="500"/>
+                                        <p:tgtEl>
+                                          <p:spTgt spid="40"/>
+                                        </p:tgtEl>
+                                      </p:cBhvr>
+                                    </p:animEffect>
+                                  </p:childTnLst>
+                                </p:cTn>
+                              </p:par>
+                              <p:par>
+                                <p:cTn id="36" presetID="10" presetClass="entr" presetSubtype="0" fill="hold" grpId="0" nodeType="withEffect">
+                                  <p:stCondLst>
+                                    <p:cond delay="0"/>
+                                  </p:stCondLst>
+                                  <p:childTnLst>
+                                    <p:set>
+                                      <p:cBhvr>
+                                        <p:cTn id="37" dur="1" fill="hold">
+                                          <p:stCondLst>
+                                            <p:cond delay="0"/>
+                                          </p:stCondLst>
+                                        </p:cTn>
+                                        <p:tgtEl>
+                                          <p:spTgt spid="59"/>
+                                        </p:tgtEl>
+                                        <p:attrNameLst>
+                                          <p:attrName>style.visibility</p:attrName>
+                                        </p:attrNameLst>
+                                      </p:cBhvr>
+                                      <p:to>
+                                        <p:strVal val="visible"/>
+                                      </p:to>
+                                    </p:set>
+                                    <p:animEffect transition="in" filter="fade">
+                                      <p:cBhvr>
+                                        <p:cTn id="38" dur="500"/>
+                                        <p:tgtEl>
+                                          <p:spTgt spid="59"/>
+                                        </p:tgtEl>
+                                      </p:cBhvr>
+                                    </p:animEffect>
+                                  </p:childTnLst>
+                                </p:cTn>
+                              </p:par>
+                            </p:childTnLst>
+                          </p:cTn>
+                        </p:par>
+                      </p:childTnLst>
+                    </p:cTn>
+                  </p:par>
+                  <p:par>
+                    <p:cTn id="39" fill="hold">
+                      <p:stCondLst>
+                        <p:cond delay="indefinite"/>
+                      </p:stCondLst>
+                      <p:childTnLst>
+                        <p:par>
+                          <p:cTn id="40" fill="hold">
+                            <p:stCondLst>
+                              <p:cond delay="0"/>
+                            </p:stCondLst>
+                            <p:childTnLst>
+                              <p:par>
+                                <p:cTn id="41" presetID="10" presetClass="entr" presetSubtype="0" fill="hold" nodeType="clickEffect">
+                                  <p:stCondLst>
+                                    <p:cond delay="0"/>
+                                  </p:stCondLst>
+                                  <p:childTnLst>
+                                    <p:set>
+                                      <p:cBhvr>
+                                        <p:cTn id="42" dur="1" fill="hold">
+                                          <p:stCondLst>
+                                            <p:cond delay="0"/>
+                                          </p:stCondLst>
+                                        </p:cTn>
+                                        <p:tgtEl>
+                                          <p:spTgt spid="16"/>
+                                        </p:tgtEl>
+                                        <p:attrNameLst>
+                                          <p:attrName>style.visibility</p:attrName>
+                                        </p:attrNameLst>
+                                      </p:cBhvr>
+                                      <p:to>
+                                        <p:strVal val="visible"/>
+                                      </p:to>
+                                    </p:set>
+                                    <p:animEffect transition="in" filter="fade">
+                                      <p:cBhvr>
+                                        <p:cTn id="43" dur="500"/>
+                                        <p:tgtEl>
+                                          <p:spTgt spid="16"/>
+                                        </p:tgtEl>
+                                      </p:cBhvr>
+                                    </p:animEffect>
+                                  </p:childTnLst>
+                                </p:cTn>
+                              </p:par>
+                              <p:par>
+                                <p:cTn id="44" presetID="10" presetClass="entr" presetSubtype="0" fill="hold" grpId="0" nodeType="withEffect">
+                                  <p:stCondLst>
+                                    <p:cond delay="0"/>
+                                  </p:stCondLst>
+                                  <p:childTnLst>
+                                    <p:set>
+                                      <p:cBhvr>
+                                        <p:cTn id="45" dur="1" fill="hold">
+                                          <p:stCondLst>
+                                            <p:cond delay="0"/>
+                                          </p:stCondLst>
+                                        </p:cTn>
+                                        <p:tgtEl>
+                                          <p:spTgt spid="61"/>
+                                        </p:tgtEl>
+                                        <p:attrNameLst>
+                                          <p:attrName>style.visibility</p:attrName>
+                                        </p:attrNameLst>
+                                      </p:cBhvr>
+                                      <p:to>
+                                        <p:strVal val="visible"/>
+                                      </p:to>
+                                    </p:set>
+                                    <p:animEffect transition="in" filter="fade">
+                                      <p:cBhvr>
+                                        <p:cTn id="46" dur="500"/>
+                                        <p:tgtEl>
+                                          <p:spTgt spid="61"/>
+                                        </p:tgtEl>
+                                      </p:cBhvr>
+                                    </p:animEffect>
+                                  </p:childTnLst>
+                                </p:cTn>
+                              </p:par>
+                            </p:childTnLst>
+                          </p:cTn>
+                        </p:par>
+                      </p:childTnLst>
+                    </p:cTn>
+                  </p:par>
+                  <p:par>
+                    <p:cTn id="47" fill="hold">
+                      <p:stCondLst>
+                        <p:cond delay="indefinite"/>
+                      </p:stCondLst>
+                      <p:childTnLst>
+                        <p:par>
+                          <p:cTn id="48" fill="hold">
+                            <p:stCondLst>
+                              <p:cond delay="0"/>
+                            </p:stCondLst>
+                            <p:childTnLst>
+                              <p:par>
+                                <p:cTn id="49" presetID="10" presetClass="entr" presetSubtype="0" fill="hold" grpId="0" nodeType="clickEffect">
+                                  <p:stCondLst>
+                                    <p:cond delay="0"/>
+                                  </p:stCondLst>
+                                  <p:childTnLst>
+                                    <p:set>
+                                      <p:cBhvr>
+                                        <p:cTn id="50" dur="1" fill="hold">
+                                          <p:stCondLst>
+                                            <p:cond delay="0"/>
+                                          </p:stCondLst>
+                                        </p:cTn>
+                                        <p:tgtEl>
+                                          <p:spTgt spid="9"/>
+                                        </p:tgtEl>
+                                        <p:attrNameLst>
+                                          <p:attrName>style.visibility</p:attrName>
+                                        </p:attrNameLst>
+                                      </p:cBhvr>
+                                      <p:to>
+                                        <p:strVal val="visible"/>
+                                      </p:to>
+                                    </p:set>
+                                    <p:animEffect transition="in" filter="fade">
+                                      <p:cBhvr>
+                                        <p:cTn id="51" dur="500"/>
+                                        <p:tgtEl>
+                                          <p:spTgt spid="9"/>
+                                        </p:tgtEl>
+                                      </p:cBhvr>
+                                    </p:animEffect>
+                                  </p:childTnLst>
+                                </p:cTn>
+                              </p:par>
+                            </p:childTnLst>
+                          </p:cTn>
+                        </p:par>
+                      </p:childTnLst>
+                    </p:cTn>
+                  </p:par>
+                  <p:par>
+                    <p:cTn id="52" fill="hold">
+                      <p:stCondLst>
+                        <p:cond delay="indefinite"/>
+                      </p:stCondLst>
+                      <p:childTnLst>
+                        <p:par>
+                          <p:cTn id="53" fill="hold">
+                            <p:stCondLst>
+                              <p:cond delay="0"/>
+                            </p:stCondLst>
+                            <p:childTnLst>
+                              <p:par>
+                                <p:cTn id="54" presetID="10" presetClass="entr" presetSubtype="0" fill="hold" nodeType="clickEffect">
+                                  <p:stCondLst>
+                                    <p:cond delay="0"/>
+                                  </p:stCondLst>
+                                  <p:childTnLst>
+                                    <p:set>
+                                      <p:cBhvr>
+                                        <p:cTn id="55" dur="1" fill="hold">
+                                          <p:stCondLst>
+                                            <p:cond delay="0"/>
+                                          </p:stCondLst>
+                                        </p:cTn>
+                                        <p:tgtEl>
+                                          <p:spTgt spid="71"/>
+                                        </p:tgtEl>
+                                        <p:attrNameLst>
+                                          <p:attrName>style.visibility</p:attrName>
+                                        </p:attrNameLst>
+                                      </p:cBhvr>
+                                      <p:to>
+                                        <p:strVal val="visible"/>
+                                      </p:to>
+                                    </p:set>
+                                    <p:animEffect transition="in" filter="fade">
+                                      <p:cBhvr>
+                                        <p:cTn id="56" dur="500"/>
+                                        <p:tgtEl>
+                                          <p:spTgt spid="71"/>
+                                        </p:tgtEl>
+                                      </p:cBhvr>
+                                    </p:animEffect>
+                                  </p:childTnLst>
+                                </p:cTn>
+                              </p:par>
+                            </p:childTnLst>
+                          </p:cTn>
+                        </p:par>
+                      </p:childTnLst>
+                    </p:cTn>
+                  </p:par>
+                  <p:par>
+                    <p:cTn id="57" fill="hold">
+                      <p:stCondLst>
+                        <p:cond delay="indefinite"/>
+                      </p:stCondLst>
+                      <p:childTnLst>
+                        <p:par>
+                          <p:cTn id="58" fill="hold">
+                            <p:stCondLst>
+                              <p:cond delay="0"/>
+                            </p:stCondLst>
+                            <p:childTnLst>
+                              <p:par>
+                                <p:cTn id="59" presetID="10" presetClass="entr" presetSubtype="0" fill="hold" grpId="0" nodeType="clickEffect">
+                                  <p:stCondLst>
+                                    <p:cond delay="0"/>
+                                  </p:stCondLst>
+                                  <p:childTnLst>
+                                    <p:set>
+                                      <p:cBhvr>
+                                        <p:cTn id="60" dur="1" fill="hold">
+                                          <p:stCondLst>
+                                            <p:cond delay="0"/>
+                                          </p:stCondLst>
+                                        </p:cTn>
+                                        <p:tgtEl>
+                                          <p:spTgt spid="63"/>
+                                        </p:tgtEl>
+                                        <p:attrNameLst>
+                                          <p:attrName>style.visibility</p:attrName>
+                                        </p:attrNameLst>
+                                      </p:cBhvr>
+                                      <p:to>
+                                        <p:strVal val="visible"/>
+                                      </p:to>
+                                    </p:set>
+                                    <p:animEffect transition="in" filter="fade">
+                                      <p:cBhvr>
+                                        <p:cTn id="61" dur="500"/>
+                                        <p:tgtEl>
+                                          <p:spTgt spid="63"/>
+                                        </p:tgtEl>
+                                      </p:cBhvr>
+                                    </p:animEffect>
+                                  </p:childTnLst>
+                                </p:cTn>
+                              </p:par>
+                              <p:par>
+                                <p:cTn id="62" presetID="10" presetClass="entr" presetSubtype="0" fill="hold" nodeType="withEffect">
+                                  <p:stCondLst>
+                                    <p:cond delay="0"/>
+                                  </p:stCondLst>
+                                  <p:childTnLst>
+                                    <p:set>
+                                      <p:cBhvr>
+                                        <p:cTn id="63" dur="1" fill="hold">
+                                          <p:stCondLst>
+                                            <p:cond delay="0"/>
+                                          </p:stCondLst>
+                                        </p:cTn>
+                                        <p:tgtEl>
+                                          <p:spTgt spid="24"/>
+                                        </p:tgtEl>
+                                        <p:attrNameLst>
+                                          <p:attrName>style.visibility</p:attrName>
+                                        </p:attrNameLst>
+                                      </p:cBhvr>
+                                      <p:to>
+                                        <p:strVal val="visible"/>
+                                      </p:to>
+                                    </p:set>
+                                    <p:animEffect transition="in" filter="fade">
+                                      <p:cBhvr>
+                                        <p:cTn id="64" dur="500"/>
+                                        <p:tgtEl>
+                                          <p:spTgt spid="24"/>
+                                        </p:tgtEl>
+                                      </p:cBhvr>
+                                    </p:animEffect>
+                                  </p:childTnLst>
+                                </p:cTn>
+                              </p:par>
+                            </p:childTnLst>
+                          </p:cTn>
+                        </p:par>
+                      </p:childTnLst>
+                    </p:cTn>
+                  </p:par>
+                  <p:par>
+                    <p:cTn id="65" fill="hold">
+                      <p:stCondLst>
+                        <p:cond delay="indefinite"/>
+                      </p:stCondLst>
+                      <p:childTnLst>
+                        <p:par>
+                          <p:cTn id="66" fill="hold">
+                            <p:stCondLst>
+                              <p:cond delay="0"/>
+                            </p:stCondLst>
+                            <p:childTnLst>
+                              <p:par>
+                                <p:cTn id="67" presetID="10" presetClass="entr" presetSubtype="0" fill="hold" grpId="0" nodeType="clickEffect">
+                                  <p:stCondLst>
+                                    <p:cond delay="0"/>
+                                  </p:stCondLst>
+                                  <p:childTnLst>
+                                    <p:set>
+                                      <p:cBhvr>
+                                        <p:cTn id="68" dur="1" fill="hold">
+                                          <p:stCondLst>
+                                            <p:cond delay="0"/>
+                                          </p:stCondLst>
+                                        </p:cTn>
+                                        <p:tgtEl>
+                                          <p:spTgt spid="10"/>
+                                        </p:tgtEl>
+                                        <p:attrNameLst>
+                                          <p:attrName>style.visibility</p:attrName>
+                                        </p:attrNameLst>
+                                      </p:cBhvr>
+                                      <p:to>
+                                        <p:strVal val="visible"/>
+                                      </p:to>
+                                    </p:set>
+                                    <p:animEffect transition="in" filter="fade">
+                                      <p:cBhvr>
+                                        <p:cTn id="69" dur="500"/>
+                                        <p:tgtEl>
+                                          <p:spTgt spid="10"/>
+                                        </p:tgtEl>
+                                      </p:cBhvr>
+                                    </p:animEffect>
+                                  </p:childTnLst>
+                                </p:cTn>
+                              </p:par>
+                            </p:childTnLst>
+                          </p:cTn>
+                        </p:par>
+                      </p:childTnLst>
+                    </p:cTn>
+                  </p:par>
+                  <p:par>
+                    <p:cTn id="70" fill="hold">
+                      <p:stCondLst>
+                        <p:cond delay="indefinite"/>
+                      </p:stCondLst>
+                      <p:childTnLst>
+                        <p:par>
+                          <p:cTn id="71" fill="hold">
+                            <p:stCondLst>
+                              <p:cond delay="0"/>
+                            </p:stCondLst>
+                            <p:childTnLst>
+                              <p:par>
+                                <p:cTn id="72" presetID="10" presetClass="entr" presetSubtype="0" fill="hold" nodeType="clickEffect">
+                                  <p:stCondLst>
+                                    <p:cond delay="0"/>
+                                  </p:stCondLst>
+                                  <p:childTnLst>
+                                    <p:set>
+                                      <p:cBhvr>
+                                        <p:cTn id="73" dur="1" fill="hold">
+                                          <p:stCondLst>
+                                            <p:cond delay="0"/>
+                                          </p:stCondLst>
+                                        </p:cTn>
+                                        <p:tgtEl>
+                                          <p:spTgt spid="37"/>
+                                        </p:tgtEl>
+                                        <p:attrNameLst>
+                                          <p:attrName>style.visibility</p:attrName>
+                                        </p:attrNameLst>
+                                      </p:cBhvr>
+                                      <p:to>
+                                        <p:strVal val="visible"/>
+                                      </p:to>
+                                    </p:set>
+                                    <p:animEffect transition="in" filter="fade">
+                                      <p:cBhvr>
+                                        <p:cTn id="74" dur="500"/>
+                                        <p:tgtEl>
+                                          <p:spTgt spid="37"/>
+                                        </p:tgtEl>
+                                      </p:cBhvr>
+                                    </p:animEffect>
+                                  </p:childTnLst>
+                                </p:cTn>
+                              </p:par>
+                              <p:par>
+                                <p:cTn id="75" presetID="10" presetClass="entr" presetSubtype="0" fill="hold" grpId="0" nodeType="withEffect">
+                                  <p:stCondLst>
+                                    <p:cond delay="0"/>
+                                  </p:stCondLst>
+                                  <p:childTnLst>
+                                    <p:set>
+                                      <p:cBhvr>
+                                        <p:cTn id="76" dur="1" fill="hold">
+                                          <p:stCondLst>
+                                            <p:cond delay="0"/>
+                                          </p:stCondLst>
+                                        </p:cTn>
+                                        <p:tgtEl>
+                                          <p:spTgt spid="64"/>
+                                        </p:tgtEl>
+                                        <p:attrNameLst>
+                                          <p:attrName>style.visibility</p:attrName>
+                                        </p:attrNameLst>
+                                      </p:cBhvr>
+                                      <p:to>
+                                        <p:strVal val="visible"/>
+                                      </p:to>
+                                    </p:set>
+                                    <p:animEffect transition="in" filter="fade">
+                                      <p:cBhvr>
+                                        <p:cTn id="77" dur="500"/>
+                                        <p:tgtEl>
+                                          <p:spTgt spid="64"/>
+                                        </p:tgtEl>
+                                      </p:cBhvr>
+                                    </p:animEffect>
+                                  </p:childTnLst>
+                                </p:cTn>
+                              </p:par>
+                            </p:childTnLst>
+                          </p:cTn>
+                        </p:par>
+                      </p:childTnLst>
+                    </p:cTn>
+                  </p:par>
+                  <p:par>
+                    <p:cTn id="78" fill="hold">
+                      <p:stCondLst>
+                        <p:cond delay="indefinite"/>
+                      </p:stCondLst>
+                      <p:childTnLst>
+                        <p:par>
+                          <p:cTn id="79" fill="hold">
+                            <p:stCondLst>
+                              <p:cond delay="0"/>
+                            </p:stCondLst>
+                            <p:childTnLst>
+                              <p:par>
+                                <p:cTn id="80" presetID="10" presetClass="entr" presetSubtype="0" fill="hold" nodeType="clickEffect">
+                                  <p:stCondLst>
+                                    <p:cond delay="0"/>
+                                  </p:stCondLst>
+                                  <p:childTnLst>
+                                    <p:set>
+                                      <p:cBhvr>
+                                        <p:cTn id="81" dur="1" fill="hold">
+                                          <p:stCondLst>
+                                            <p:cond delay="0"/>
+                                          </p:stCondLst>
+                                        </p:cTn>
+                                        <p:tgtEl>
+                                          <p:spTgt spid="26"/>
+                                        </p:tgtEl>
+                                        <p:attrNameLst>
+                                          <p:attrName>style.visibility</p:attrName>
+                                        </p:attrNameLst>
+                                      </p:cBhvr>
+                                      <p:to>
+                                        <p:strVal val="visible"/>
+                                      </p:to>
+                                    </p:set>
+                                    <p:animEffect transition="in" filter="fade">
+                                      <p:cBhvr>
+                                        <p:cTn id="82" dur="500"/>
+                                        <p:tgtEl>
+                                          <p:spTgt spid="26"/>
+                                        </p:tgtEl>
+                                      </p:cBhvr>
+                                    </p:animEffect>
+                                  </p:childTnLst>
+                                </p:cTn>
+                              </p:par>
+                              <p:par>
+                                <p:cTn id="83" presetID="10" presetClass="entr" presetSubtype="0" fill="hold" grpId="0" nodeType="withEffect">
+                                  <p:stCondLst>
+                                    <p:cond delay="0"/>
+                                  </p:stCondLst>
+                                  <p:childTnLst>
+                                    <p:set>
+                                      <p:cBhvr>
+                                        <p:cTn id="84" dur="1" fill="hold">
+                                          <p:stCondLst>
+                                            <p:cond delay="0"/>
+                                          </p:stCondLst>
+                                        </p:cTn>
+                                        <p:tgtEl>
+                                          <p:spTgt spid="65"/>
+                                        </p:tgtEl>
+                                        <p:attrNameLst>
+                                          <p:attrName>style.visibility</p:attrName>
+                                        </p:attrNameLst>
+                                      </p:cBhvr>
+                                      <p:to>
+                                        <p:strVal val="visible"/>
+                                      </p:to>
+                                    </p:set>
+                                    <p:animEffect transition="in" filter="fade">
+                                      <p:cBhvr>
+                                        <p:cTn id="85" dur="500"/>
+                                        <p:tgtEl>
+                                          <p:spTgt spid="65"/>
+                                        </p:tgtEl>
+                                      </p:cBhvr>
+                                    </p:animEffect>
+                                  </p:childTnLst>
+                                </p:cTn>
+                              </p:par>
+                            </p:childTnLst>
+                          </p:cTn>
+                        </p:par>
+                      </p:childTnLst>
+                    </p:cTn>
+                  </p:par>
+                </p:childTnLst>
+              </p:cTn>
+              <p:prevCondLst>
+                <p:cond evt="onPrev" delay="0">
+                  <p:tgtEl>
+                    <p:sldTgt/>
+                  </p:tgtEl>
+                </p:cond>
+              </p:prevCondLst>
+              <p:nextCondLst>
+                <p:cond evt="onNext" delay="0">
+                  <p:tgtEl>
+                    <p:sldTgt/>
+                  </p:tgtEl>
+                </p:cond>
+              </p:nextCondLst>
+            </p:seq>
+          </p:childTnLst>
+        </p:cTn>
+      </p:par>
+    </p:tnLst>
+    <p:bldLst>
+      <p:bldP spid="64" grpId="0"/>
+      <p:bldP spid="7" grpId="0" animBg="1"/>
+      <p:bldP spid="8" grpId="0" animBg="1"/>
+      <p:bldP spid="9" grpId="0" animBg="1"/>
+      <p:bldP spid="10" grpId="0" animBg="1"/>
+      <p:bldP spid="58" grpId="0"/>
+      <p:bldP spid="59" grpId="0"/>
+      <p:bldP spid="61" grpId="0"/>
+      <p:bldP spid="63" grpId="0"/>
+      <p:bldP spid="65" grpId="0"/>
+    </p:bldLst>
+  </p:timing>
 </p:sld>
 </file>
 
@@ -5921,8 +7151,8 @@
         </p:nvSpPr>
         <p:spPr>
           <a:xfrm>
-            <a:off x="77480" y="5606365"/>
-            <a:ext cx="3231206" cy="1200329"/>
+            <a:off x="146408" y="5228087"/>
+            <a:ext cx="3171894" cy="1477328"/>
           </a:xfrm>
           <a:prstGeom prst="rect">
             <a:avLst/>
@@ -5950,6 +7180,12 @@
             <a:r>
               <a:rPr lang="en-US" dirty="0"/>
               <a:t>0001_0001</a:t>
+            </a:r>
+          </a:p>
+          <a:p>
+            <a:r>
+              <a:rPr lang="en-US" dirty="0"/>
+              <a:t>…..</a:t>
             </a:r>
           </a:p>
           <a:p>
@@ -10885,6 +12121,89 @@
           </a:p>
         </p:txBody>
       </p:sp>
+      <p:sp>
+        <p:nvSpPr>
+          <p:cNvPr id="57" name="Right Brace 56">
+            <a:extLst>
+              <a:ext uri="{FF2B5EF4-FFF2-40B4-BE49-F238E27FC236}">
+                <a16:creationId xmlns:a16="http://schemas.microsoft.com/office/drawing/2014/main" id="{C63703EF-34E5-0FF4-560D-E991DAAC5DD0}"/>
+              </a:ext>
+            </a:extLst>
+          </p:cNvPr>
+          <p:cNvSpPr/>
+          <p:nvPr/>
+        </p:nvSpPr>
+        <p:spPr>
+          <a:xfrm rot="16200000">
+            <a:off x="5802054" y="-295765"/>
+            <a:ext cx="454193" cy="6540982"/>
+          </a:xfrm>
+          <a:prstGeom prst="rightBrace">
+            <a:avLst>
+              <a:gd name="adj1" fmla="val 26425"/>
+              <a:gd name="adj2" fmla="val 47846"/>
+            </a:avLst>
+          </a:prstGeom>
+        </p:spPr>
+        <p:style>
+          <a:lnRef idx="2">
+            <a:schemeClr val="accent1"/>
+          </a:lnRef>
+          <a:fillRef idx="0">
+            <a:schemeClr val="accent1"/>
+          </a:fillRef>
+          <a:effectRef idx="1">
+            <a:schemeClr val="accent1"/>
+          </a:effectRef>
+          <a:fontRef idx="minor">
+            <a:schemeClr val="tx1"/>
+          </a:fontRef>
+        </p:style>
+        <p:txBody>
+          <a:bodyPr rtlCol="0" anchor="ctr"/>
+          <a:lstStyle/>
+          <a:p>
+            <a:pPr algn="ctr"/>
+            <a:endParaRPr lang="en-US"/>
+          </a:p>
+        </p:txBody>
+      </p:sp>
+      <p:sp>
+        <p:nvSpPr>
+          <p:cNvPr id="58" name="TextBox 57">
+            <a:extLst>
+              <a:ext uri="{FF2B5EF4-FFF2-40B4-BE49-F238E27FC236}">
+                <a16:creationId xmlns:a16="http://schemas.microsoft.com/office/drawing/2014/main" id="{0AAEB918-00EB-7F43-691D-6AE84149F4A9}"/>
+              </a:ext>
+            </a:extLst>
+          </p:cNvPr>
+          <p:cNvSpPr txBox="1"/>
+          <p:nvPr/>
+        </p:nvSpPr>
+        <p:spPr>
+          <a:xfrm>
+            <a:off x="4695310" y="2412934"/>
+            <a:ext cx="2154179" cy="369332"/>
+          </a:xfrm>
+          <a:prstGeom prst="rect">
+            <a:avLst/>
+          </a:prstGeom>
+          <a:noFill/>
+        </p:spPr>
+        <p:txBody>
+          <a:bodyPr wrap="none" rtlCol="0">
+            <a:spAutoFit/>
+          </a:bodyPr>
+          <a:lstStyle/>
+          <a:p>
+            <a:r>
+              <a:rPr lang="en-US" dirty="0" err="1"/>
+              <a:t>Demodulated_word</a:t>
+            </a:r>
+            <a:endParaRPr lang="en-US" dirty="0"/>
+          </a:p>
+        </p:txBody>
+      </p:sp>
     </p:spTree>
     <p:extLst>
       <p:ext uri="{BB962C8B-B14F-4D97-AF65-F5344CB8AC3E}">
@@ -12504,33 +13823,15 @@
                                   </p:childTnLst>
                                 </p:cTn>
                               </p:par>
-                            </p:childTnLst>
-                          </p:cTn>
-                        </p:par>
-                      </p:childTnLst>
-                    </p:cTn>
-                  </p:par>
-                  <p:par>
-                    <p:cTn id="136" fill="hold">
-                      <p:stCondLst>
-                        <p:cond delay="indefinite"/>
-                      </p:stCondLst>
-                      <p:childTnLst>
-                        <p:par>
-                          <p:cTn id="137" fill="hold">
-                            <p:stCondLst>
-                              <p:cond delay="0"/>
-                            </p:stCondLst>
-                            <p:childTnLst>
                               <p:par>
-                                <p:cTn id="138" presetID="10" presetClass="exit" presetSubtype="0" fill="hold" grpId="1" nodeType="clickEffect">
+                                <p:cTn id="136" presetID="10" presetClass="exit" presetSubtype="0" fill="hold" grpId="1" nodeType="withEffect">
                                   <p:stCondLst>
                                     <p:cond delay="0"/>
                                   </p:stCondLst>
                                   <p:childTnLst>
                                     <p:animEffect transition="out" filter="fade">
                                       <p:cBhvr>
-                                        <p:cTn id="139" dur="500"/>
+                                        <p:cTn id="137" dur="500"/>
                                         <p:tgtEl>
                                           <p:spTgt spid="1128"/>
                                         </p:tgtEl>
@@ -12538,7 +13839,7 @@
                                     </p:animEffect>
                                     <p:set>
                                       <p:cBhvr>
-                                        <p:cTn id="140" dur="1" fill="hold">
+                                        <p:cTn id="138" dur="1" fill="hold">
                                           <p:stCondLst>
                                             <p:cond delay="499"/>
                                           </p:stCondLst>
@@ -12558,14 +13859,14 @@
                                 </p:cTn>
                               </p:par>
                               <p:par>
-                                <p:cTn id="141" presetID="10" presetClass="exit" presetSubtype="0" fill="hold" grpId="1" nodeType="withEffect">
+                                <p:cTn id="139" presetID="10" presetClass="exit" presetSubtype="0" fill="hold" grpId="1" nodeType="withEffect">
                                   <p:stCondLst>
                                     <p:cond delay="0"/>
                                   </p:stCondLst>
                                   <p:childTnLst>
                                     <p:animEffect transition="out" filter="fade">
                                       <p:cBhvr>
-                                        <p:cTn id="142" dur="500"/>
+                                        <p:cTn id="140" dur="500"/>
                                         <p:tgtEl>
                                           <p:spTgt spid="1209"/>
                                         </p:tgtEl>
@@ -12573,7 +13874,7 @@
                                     </p:animEffect>
                                     <p:set>
                                       <p:cBhvr>
-                                        <p:cTn id="143" dur="1" fill="hold">
+                                        <p:cTn id="141" dur="1" fill="hold">
                                           <p:stCondLst>
                                             <p:cond delay="499"/>
                                           </p:stCondLst>
@@ -12593,14 +13894,14 @@
                                 </p:cTn>
                               </p:par>
                               <p:par>
-                                <p:cTn id="144" presetID="10" presetClass="exit" presetSubtype="0" fill="hold" grpId="1" nodeType="withEffect">
+                                <p:cTn id="142" presetID="10" presetClass="exit" presetSubtype="0" fill="hold" grpId="1" nodeType="withEffect">
                                   <p:stCondLst>
                                     <p:cond delay="0"/>
                                   </p:stCondLst>
                                   <p:childTnLst>
                                     <p:animEffect transition="out" filter="fade">
                                       <p:cBhvr>
-                                        <p:cTn id="145" dur="500"/>
+                                        <p:cTn id="143" dur="500"/>
                                         <p:tgtEl>
                                           <p:spTgt spid="1210"/>
                                         </p:tgtEl>
@@ -12608,7 +13909,7 @@
                                     </p:animEffect>
                                     <p:set>
                                       <p:cBhvr>
-                                        <p:cTn id="146" dur="1" fill="hold">
+                                        <p:cTn id="144" dur="1" fill="hold">
                                           <p:stCondLst>
                                             <p:cond delay="499"/>
                                           </p:stCondLst>
@@ -12628,14 +13929,14 @@
                                 </p:cTn>
                               </p:par>
                               <p:par>
-                                <p:cTn id="147" presetID="10" presetClass="exit" presetSubtype="0" fill="hold" grpId="1" nodeType="withEffect">
+                                <p:cTn id="145" presetID="10" presetClass="exit" presetSubtype="0" fill="hold" grpId="1" nodeType="withEffect">
                                   <p:stCondLst>
                                     <p:cond delay="0"/>
                                   </p:stCondLst>
                                   <p:childTnLst>
                                     <p:animEffect transition="out" filter="fade">
                                       <p:cBhvr>
-                                        <p:cTn id="148" dur="500"/>
+                                        <p:cTn id="146" dur="500"/>
                                         <p:tgtEl>
                                           <p:spTgt spid="1211"/>
                                         </p:tgtEl>
@@ -12643,7 +13944,7 @@
                                     </p:animEffect>
                                     <p:set>
                                       <p:cBhvr>
-                                        <p:cTn id="149" dur="1" fill="hold">
+                                        <p:cTn id="147" dur="1" fill="hold">
                                           <p:stCondLst>
                                             <p:cond delay="499"/>
                                           </p:stCondLst>
@@ -12663,14 +13964,14 @@
                                 </p:cTn>
                               </p:par>
                               <p:par>
-                                <p:cTn id="150" presetID="10" presetClass="exit" presetSubtype="0" fill="hold" grpId="1" nodeType="withEffect">
+                                <p:cTn id="148" presetID="10" presetClass="exit" presetSubtype="0" fill="hold" grpId="1" nodeType="withEffect">
                                   <p:stCondLst>
                                     <p:cond delay="0"/>
                                   </p:stCondLst>
                                   <p:childTnLst>
                                     <p:animEffect transition="out" filter="fade">
                                       <p:cBhvr>
-                                        <p:cTn id="151" dur="500"/>
+                                        <p:cTn id="149" dur="500"/>
                                         <p:tgtEl>
                                           <p:spTgt spid="1213"/>
                                         </p:tgtEl>
@@ -12678,7 +13979,7 @@
                                     </p:animEffect>
                                     <p:set>
                                       <p:cBhvr>
-                                        <p:cTn id="152" dur="1" fill="hold">
+                                        <p:cTn id="150" dur="1" fill="hold">
                                           <p:stCondLst>
                                             <p:cond delay="499"/>
                                           </p:stCondLst>
@@ -12698,14 +13999,14 @@
                                 </p:cTn>
                               </p:par>
                               <p:par>
-                                <p:cTn id="153" presetID="10" presetClass="exit" presetSubtype="0" fill="hold" grpId="1" nodeType="withEffect">
+                                <p:cTn id="151" presetID="10" presetClass="exit" presetSubtype="0" fill="hold" grpId="1" nodeType="withEffect">
                                   <p:stCondLst>
                                     <p:cond delay="0"/>
                                   </p:stCondLst>
                                   <p:childTnLst>
                                     <p:animEffect transition="out" filter="fade">
                                       <p:cBhvr>
-                                        <p:cTn id="154" dur="500"/>
+                                        <p:cTn id="152" dur="500"/>
                                         <p:tgtEl>
                                           <p:spTgt spid="1136"/>
                                         </p:tgtEl>
@@ -12713,7 +14014,7 @@
                                     </p:animEffect>
                                     <p:set>
                                       <p:cBhvr>
-                                        <p:cTn id="155" dur="1" fill="hold">
+                                        <p:cTn id="153" dur="1" fill="hold">
                                           <p:stCondLst>
                                             <p:cond delay="499"/>
                                           </p:stCondLst>
@@ -12733,14 +14034,14 @@
                                 </p:cTn>
                               </p:par>
                               <p:par>
-                                <p:cTn id="156" presetID="10" presetClass="exit" presetSubtype="0" fill="hold" grpId="2" nodeType="withEffect">
+                                <p:cTn id="154" presetID="10" presetClass="exit" presetSubtype="0" fill="hold" grpId="2" nodeType="withEffect">
                                   <p:stCondLst>
                                     <p:cond delay="0"/>
                                   </p:stCondLst>
                                   <p:childTnLst>
                                     <p:animEffect transition="out" filter="fade">
                                       <p:cBhvr>
-                                        <p:cTn id="157" dur="500"/>
+                                        <p:cTn id="155" dur="500"/>
                                         <p:tgtEl>
                                           <p:spTgt spid="1127"/>
                                         </p:tgtEl>
@@ -12748,7 +14049,7 @@
                                     </p:animEffect>
                                     <p:set>
                                       <p:cBhvr>
-                                        <p:cTn id="158" dur="1" fill="hold">
+                                        <p:cTn id="156" dur="1" fill="hold">
                                           <p:stCondLst>
                                             <p:cond delay="499"/>
                                           </p:stCondLst>
@@ -12774,26 +14075,26 @@
                     </p:cTn>
                   </p:par>
                   <p:par>
-                    <p:cTn id="159" fill="hold">
+                    <p:cTn id="157" fill="hold">
                       <p:stCondLst>
                         <p:cond delay="indefinite"/>
                       </p:stCondLst>
                       <p:childTnLst>
                         <p:par>
-                          <p:cTn id="160" fill="hold">
+                          <p:cTn id="158" fill="hold">
                             <p:stCondLst>
                               <p:cond delay="0"/>
                             </p:stCondLst>
                             <p:childTnLst>
                               <p:par>
-                                <p:cTn id="161" presetID="0" presetClass="path" presetSubtype="0" accel="50000" decel="50000" fill="hold" nodeType="clickEffect">
+                                <p:cTn id="159" presetID="0" presetClass="path" presetSubtype="0" accel="50000" decel="50000" fill="hold" nodeType="clickEffect">
                                   <p:stCondLst>
                                     <p:cond delay="0"/>
                                   </p:stCondLst>
                                   <p:childTnLst>
                                     <p:animMotion origin="layout" path="M 4.16667E-6 3.33333E-6 L 4.16667E-6 0.00046 C -0.0392 -0.04561 -0.00573 -0.00371 -0.07136 -0.11111 C -0.08868 -0.13936 -0.1073 -0.16158 -0.12279 -0.19699 C -0.13555 -0.22593 -0.1448 -0.26459 -0.15886 -0.29074 L -0.19414 -0.35625 C -0.19558 -0.35926 -0.19727 -0.3625 -0.19896 -0.36551 C -0.20521 -0.37732 -0.2043 -0.375 -0.20886 -0.38426 C -0.21003 -0.38658 -0.21107 -0.38982 -0.21263 -0.39213 L -0.21602 -0.39792 L -0.21602 -0.39769 L -0.21602 -0.39792 " pathEditMode="relative" rAng="0" ptsTypes="AAAAAAAAAAAA">
                                       <p:cBhvr>
-                                        <p:cTn id="162" dur="2000" fill="hold"/>
+                                        <p:cTn id="160" dur="2000" fill="hold"/>
                                         <p:tgtEl>
                                           <p:spTgt spid="13"/>
                                         </p:tgtEl>
@@ -12808,14 +14109,14 @@
                                 </p:cTn>
                               </p:par>
                               <p:par>
-                                <p:cTn id="163" presetID="49" presetClass="path" presetSubtype="0" accel="50000" decel="50000" fill="hold" grpId="1" nodeType="withEffect">
+                                <p:cTn id="161" presetID="49" presetClass="path" presetSubtype="0" accel="50000" decel="50000" fill="hold" grpId="1" nodeType="withEffect">
                                   <p:stCondLst>
                                     <p:cond delay="0"/>
                                   </p:stCondLst>
                                   <p:childTnLst>
                                     <p:animMotion origin="layout" path="M 1.875E-6 -4.81481E-6 L -0.21524 -0.39583 " pathEditMode="relative" rAng="0" ptsTypes="AA">
                                       <p:cBhvr>
-                                        <p:cTn id="164" dur="2000" fill="hold"/>
+                                        <p:cTn id="162" dur="2000" fill="hold"/>
                                         <p:tgtEl>
                                           <p:spTgt spid="1216"/>
                                         </p:tgtEl>
@@ -12833,20 +14134,20 @@
                           </p:cTn>
                         </p:par>
                         <p:par>
-                          <p:cTn id="165" fill="hold">
+                          <p:cTn id="163" fill="hold">
                             <p:stCondLst>
                               <p:cond delay="2000"/>
                             </p:stCondLst>
                             <p:childTnLst>
                               <p:par>
-                                <p:cTn id="166" presetID="1" presetClass="entr" presetSubtype="0" fill="hold" grpId="0" nodeType="afterEffect">
+                                <p:cTn id="164" presetID="1" presetClass="entr" presetSubtype="0" fill="hold" grpId="0" nodeType="afterEffect">
                                   <p:stCondLst>
                                     <p:cond delay="100"/>
                                   </p:stCondLst>
                                   <p:childTnLst>
                                     <p:set>
                                       <p:cBhvr>
-                                        <p:cTn id="167" dur="1" fill="hold">
+                                        <p:cTn id="165" dur="1" fill="hold">
                                           <p:stCondLst>
                                             <p:cond delay="0"/>
                                           </p:stCondLst>
@@ -12869,20 +14170,20 @@
                           </p:cTn>
                         </p:par>
                         <p:par>
-                          <p:cTn id="168" fill="hold">
+                          <p:cTn id="166" fill="hold">
                             <p:stCondLst>
                               <p:cond delay="2100"/>
                             </p:stCondLst>
                             <p:childTnLst>
                               <p:par>
-                                <p:cTn id="169" presetID="1" presetClass="entr" presetSubtype="0" fill="hold" grpId="0" nodeType="afterEffect">
+                                <p:cTn id="167" presetID="1" presetClass="entr" presetSubtype="0" fill="hold" grpId="0" nodeType="afterEffect">
                                   <p:stCondLst>
                                     <p:cond delay="100"/>
                                   </p:stCondLst>
                                   <p:childTnLst>
                                     <p:set>
                                       <p:cBhvr>
-                                        <p:cTn id="170" dur="1" fill="hold">
+                                        <p:cTn id="168" dur="1" fill="hold">
                                           <p:stCondLst>
                                             <p:cond delay="0"/>
                                           </p:stCondLst>
@@ -12905,20 +14206,20 @@
                           </p:cTn>
                         </p:par>
                         <p:par>
-                          <p:cTn id="171" fill="hold">
+                          <p:cTn id="169" fill="hold">
                             <p:stCondLst>
                               <p:cond delay="2200"/>
                             </p:stCondLst>
                             <p:childTnLst>
                               <p:par>
-                                <p:cTn id="172" presetID="1" presetClass="entr" presetSubtype="0" fill="hold" grpId="0" nodeType="afterEffect">
+                                <p:cTn id="170" presetID="1" presetClass="entr" presetSubtype="0" fill="hold" grpId="0" nodeType="afterEffect">
                                   <p:stCondLst>
                                     <p:cond delay="100"/>
                                   </p:stCondLst>
                                   <p:childTnLst>
                                     <p:set>
                                       <p:cBhvr>
-                                        <p:cTn id="173" dur="1" fill="hold">
+                                        <p:cTn id="171" dur="1" fill="hold">
                                           <p:stCondLst>
                                             <p:cond delay="0"/>
                                           </p:stCondLst>
@@ -12941,20 +14242,20 @@
                           </p:cTn>
                         </p:par>
                         <p:par>
-                          <p:cTn id="174" fill="hold">
+                          <p:cTn id="172" fill="hold">
                             <p:stCondLst>
                               <p:cond delay="2300"/>
                             </p:stCondLst>
                             <p:childTnLst>
                               <p:par>
-                                <p:cTn id="175" presetID="1" presetClass="entr" presetSubtype="0" fill="hold" grpId="0" nodeType="afterEffect">
+                                <p:cTn id="173" presetID="1" presetClass="entr" presetSubtype="0" fill="hold" grpId="0" nodeType="afterEffect">
                                   <p:stCondLst>
                                     <p:cond delay="100"/>
                                   </p:stCondLst>
                                   <p:childTnLst>
                                     <p:set>
                                       <p:cBhvr>
-                                        <p:cTn id="176" dur="1" fill="hold">
+                                        <p:cTn id="174" dur="1" fill="hold">
                                           <p:stCondLst>
                                             <p:cond delay="0"/>
                                           </p:stCondLst>
@@ -12977,20 +14278,20 @@
                           </p:cTn>
                         </p:par>
                         <p:par>
-                          <p:cTn id="177" fill="hold">
+                          <p:cTn id="175" fill="hold">
                             <p:stCondLst>
                               <p:cond delay="2400"/>
                             </p:stCondLst>
                             <p:childTnLst>
                               <p:par>
-                                <p:cTn id="178" presetID="1" presetClass="entr" presetSubtype="0" fill="hold" grpId="0" nodeType="afterEffect">
+                                <p:cTn id="176" presetID="1" presetClass="entr" presetSubtype="0" fill="hold" grpId="0" nodeType="afterEffect">
                                   <p:stCondLst>
                                     <p:cond delay="100"/>
                                   </p:stCondLst>
                                   <p:childTnLst>
                                     <p:set>
                                       <p:cBhvr>
-                                        <p:cTn id="179" dur="1" fill="hold">
+                                        <p:cTn id="177" dur="1" fill="hold">
                                           <p:stCondLst>
                                             <p:cond delay="0"/>
                                           </p:stCondLst>
@@ -13013,20 +14314,20 @@
                           </p:cTn>
                         </p:par>
                         <p:par>
-                          <p:cTn id="180" fill="hold">
+                          <p:cTn id="178" fill="hold">
                             <p:stCondLst>
                               <p:cond delay="2500"/>
                             </p:stCondLst>
                             <p:childTnLst>
                               <p:par>
-                                <p:cTn id="181" presetID="1" presetClass="entr" presetSubtype="0" fill="hold" grpId="0" nodeType="afterEffect">
+                                <p:cTn id="179" presetID="1" presetClass="entr" presetSubtype="0" fill="hold" grpId="0" nodeType="afterEffect">
                                   <p:stCondLst>
                                     <p:cond delay="100"/>
                                   </p:stCondLst>
                                   <p:childTnLst>
                                     <p:set>
                                       <p:cBhvr>
-                                        <p:cTn id="182" dur="1" fill="hold">
+                                        <p:cTn id="180" dur="1" fill="hold">
                                           <p:stCondLst>
                                             <p:cond delay="0"/>
                                           </p:stCondLst>
@@ -13049,20 +14350,20 @@
                           </p:cTn>
                         </p:par>
                         <p:par>
-                          <p:cTn id="183" fill="hold">
+                          <p:cTn id="181" fill="hold">
                             <p:stCondLst>
                               <p:cond delay="2600"/>
                             </p:stCondLst>
                             <p:childTnLst>
                               <p:par>
-                                <p:cTn id="184" presetID="1" presetClass="entr" presetSubtype="0" fill="hold" grpId="0" nodeType="afterEffect">
+                                <p:cTn id="182" presetID="1" presetClass="entr" presetSubtype="0" fill="hold" grpId="0" nodeType="afterEffect">
                                   <p:stCondLst>
                                     <p:cond delay="100"/>
                                   </p:stCondLst>
                                   <p:childTnLst>
                                     <p:set>
                                       <p:cBhvr>
-                                        <p:cTn id="185" dur="1" fill="hold">
+                                        <p:cTn id="183" dur="1" fill="hold">
                                           <p:stCondLst>
                                             <p:cond delay="0"/>
                                           </p:stCondLst>
@@ -13085,20 +14386,20 @@
                           </p:cTn>
                         </p:par>
                         <p:par>
-                          <p:cTn id="186" fill="hold">
+                          <p:cTn id="184" fill="hold">
                             <p:stCondLst>
                               <p:cond delay="2700"/>
                             </p:stCondLst>
                             <p:childTnLst>
                               <p:par>
-                                <p:cTn id="187" presetID="1" presetClass="entr" presetSubtype="0" fill="hold" grpId="0" nodeType="afterEffect">
+                                <p:cTn id="185" presetID="1" presetClass="entr" presetSubtype="0" fill="hold" grpId="0" nodeType="afterEffect">
                                   <p:stCondLst>
                                     <p:cond delay="100"/>
                                   </p:stCondLst>
                                   <p:childTnLst>
                                     <p:set>
                                       <p:cBhvr>
-                                        <p:cTn id="188" dur="1" fill="hold">
+                                        <p:cTn id="186" dur="1" fill="hold">
                                           <p:stCondLst>
                                             <p:cond delay="0"/>
                                           </p:stCondLst>
@@ -13121,20 +14422,20 @@
                           </p:cTn>
                         </p:par>
                         <p:par>
-                          <p:cTn id="189" fill="hold">
+                          <p:cTn id="187" fill="hold">
                             <p:stCondLst>
                               <p:cond delay="2800"/>
                             </p:stCondLst>
                             <p:childTnLst>
                               <p:par>
-                                <p:cTn id="190" presetID="1" presetClass="entr" presetSubtype="0" fill="hold" grpId="0" nodeType="afterEffect">
+                                <p:cTn id="188" presetID="1" presetClass="entr" presetSubtype="0" fill="hold" grpId="0" nodeType="afterEffect">
                                   <p:stCondLst>
                                     <p:cond delay="100"/>
                                   </p:stCondLst>
                                   <p:childTnLst>
                                     <p:set>
                                       <p:cBhvr>
-                                        <p:cTn id="191" dur="1" fill="hold">
+                                        <p:cTn id="189" dur="1" fill="hold">
                                           <p:stCondLst>
                                             <p:cond delay="0"/>
                                           </p:stCondLst>
@@ -13157,20 +14458,20 @@
                           </p:cTn>
                         </p:par>
                         <p:par>
-                          <p:cTn id="192" fill="hold">
+                          <p:cTn id="190" fill="hold">
                             <p:stCondLst>
                               <p:cond delay="2900"/>
                             </p:stCondLst>
                             <p:childTnLst>
                               <p:par>
-                                <p:cTn id="193" presetID="1" presetClass="entr" presetSubtype="0" fill="hold" grpId="0" nodeType="afterEffect">
+                                <p:cTn id="191" presetID="1" presetClass="entr" presetSubtype="0" fill="hold" grpId="0" nodeType="afterEffect">
                                   <p:stCondLst>
                                     <p:cond delay="100"/>
                                   </p:stCondLst>
                                   <p:childTnLst>
                                     <p:set>
                                       <p:cBhvr>
-                                        <p:cTn id="194" dur="1" fill="hold">
+                                        <p:cTn id="192" dur="1" fill="hold">
                                           <p:stCondLst>
                                             <p:cond delay="0"/>
                                           </p:stCondLst>
@@ -13193,20 +14494,20 @@
                           </p:cTn>
                         </p:par>
                         <p:par>
-                          <p:cTn id="195" fill="hold">
+                          <p:cTn id="193" fill="hold">
                             <p:stCondLst>
                               <p:cond delay="3000"/>
                             </p:stCondLst>
                             <p:childTnLst>
                               <p:par>
-                                <p:cTn id="196" presetID="1" presetClass="entr" presetSubtype="0" fill="hold" grpId="0" nodeType="afterEffect">
+                                <p:cTn id="194" presetID="1" presetClass="entr" presetSubtype="0" fill="hold" grpId="0" nodeType="afterEffect">
                                   <p:stCondLst>
                                     <p:cond delay="100"/>
                                   </p:stCondLst>
                                   <p:childTnLst>
                                     <p:set>
                                       <p:cBhvr>
-                                        <p:cTn id="197" dur="1" fill="hold">
+                                        <p:cTn id="195" dur="1" fill="hold">
                                           <p:stCondLst>
                                             <p:cond delay="0"/>
                                           </p:stCondLst>
@@ -13229,20 +14530,20 @@
                           </p:cTn>
                         </p:par>
                         <p:par>
-                          <p:cTn id="198" fill="hold">
+                          <p:cTn id="196" fill="hold">
                             <p:stCondLst>
                               <p:cond delay="3100"/>
                             </p:stCondLst>
                             <p:childTnLst>
                               <p:par>
-                                <p:cTn id="199" presetID="1" presetClass="entr" presetSubtype="0" fill="hold" grpId="0" nodeType="afterEffect">
+                                <p:cTn id="197" presetID="1" presetClass="entr" presetSubtype="0" fill="hold" grpId="0" nodeType="afterEffect">
                                   <p:stCondLst>
                                     <p:cond delay="100"/>
                                   </p:stCondLst>
                                   <p:childTnLst>
                                     <p:set>
                                       <p:cBhvr>
-                                        <p:cTn id="200" dur="1" fill="hold">
+                                        <p:cTn id="198" dur="1" fill="hold">
                                           <p:stCondLst>
                                             <p:cond delay="0"/>
                                           </p:stCondLst>
@@ -13265,20 +14566,20 @@
                           </p:cTn>
                         </p:par>
                         <p:par>
-                          <p:cTn id="201" fill="hold">
+                          <p:cTn id="199" fill="hold">
                             <p:stCondLst>
                               <p:cond delay="3200"/>
                             </p:stCondLst>
                             <p:childTnLst>
                               <p:par>
-                                <p:cTn id="202" presetID="1" presetClass="entr" presetSubtype="0" fill="hold" grpId="0" nodeType="afterEffect">
+                                <p:cTn id="200" presetID="1" presetClass="entr" presetSubtype="0" fill="hold" grpId="0" nodeType="afterEffect">
                                   <p:stCondLst>
                                     <p:cond delay="100"/>
                                   </p:stCondLst>
                                   <p:childTnLst>
                                     <p:set>
                                       <p:cBhvr>
-                                        <p:cTn id="203" dur="1" fill="hold">
+                                        <p:cTn id="201" dur="1" fill="hold">
                                           <p:stCondLst>
                                             <p:cond delay="0"/>
                                           </p:stCondLst>
@@ -13301,20 +14602,20 @@
                           </p:cTn>
                         </p:par>
                         <p:par>
-                          <p:cTn id="204" fill="hold">
+                          <p:cTn id="202" fill="hold">
                             <p:stCondLst>
                               <p:cond delay="3300"/>
                             </p:stCondLst>
                             <p:childTnLst>
                               <p:par>
-                                <p:cTn id="205" presetID="1" presetClass="entr" presetSubtype="0" fill="hold" grpId="0" nodeType="afterEffect">
+                                <p:cTn id="203" presetID="1" presetClass="entr" presetSubtype="0" fill="hold" grpId="0" nodeType="afterEffect">
                                   <p:stCondLst>
                                     <p:cond delay="100"/>
                                   </p:stCondLst>
                                   <p:childTnLst>
                                     <p:set>
                                       <p:cBhvr>
-                                        <p:cTn id="206" dur="1" fill="hold">
+                                        <p:cTn id="204" dur="1" fill="hold">
                                           <p:stCondLst>
                                             <p:cond delay="0"/>
                                           </p:stCondLst>
@@ -13337,20 +14638,20 @@
                           </p:cTn>
                         </p:par>
                         <p:par>
-                          <p:cTn id="207" fill="hold">
+                          <p:cTn id="205" fill="hold">
                             <p:stCondLst>
                               <p:cond delay="3400"/>
                             </p:stCondLst>
                             <p:childTnLst>
                               <p:par>
-                                <p:cTn id="208" presetID="1" presetClass="entr" presetSubtype="0" fill="hold" grpId="0" nodeType="afterEffect">
+                                <p:cTn id="206" presetID="1" presetClass="entr" presetSubtype="0" fill="hold" grpId="0" nodeType="afterEffect">
                                   <p:stCondLst>
                                     <p:cond delay="100"/>
                                   </p:stCondLst>
                                   <p:childTnLst>
                                     <p:set>
                                       <p:cBhvr>
-                                        <p:cTn id="209" dur="1" fill="hold">
+                                        <p:cTn id="207" dur="1" fill="hold">
                                           <p:stCondLst>
                                             <p:cond delay="0"/>
                                           </p:stCondLst>
@@ -13373,20 +14674,20 @@
                           </p:cTn>
                         </p:par>
                         <p:par>
-                          <p:cTn id="210" fill="hold">
+                          <p:cTn id="208" fill="hold">
                             <p:stCondLst>
                               <p:cond delay="3500"/>
                             </p:stCondLst>
                             <p:childTnLst>
                               <p:par>
-                                <p:cTn id="211" presetID="1" presetClass="entr" presetSubtype="0" fill="hold" grpId="0" nodeType="afterEffect">
+                                <p:cTn id="209" presetID="1" presetClass="entr" presetSubtype="0" fill="hold" grpId="0" nodeType="afterEffect">
                                   <p:stCondLst>
                                     <p:cond delay="100"/>
                                   </p:stCondLst>
                                   <p:childTnLst>
                                     <p:set>
                                       <p:cBhvr>
-                                        <p:cTn id="212" dur="1" fill="hold">
+                                        <p:cTn id="210" dur="1" fill="hold">
                                           <p:stCondLst>
                                             <p:cond delay="0"/>
                                           </p:stCondLst>
@@ -13409,20 +14710,20 @@
                           </p:cTn>
                         </p:par>
                         <p:par>
-                          <p:cTn id="213" fill="hold">
+                          <p:cTn id="211" fill="hold">
                             <p:stCondLst>
                               <p:cond delay="3600"/>
                             </p:stCondLst>
                             <p:childTnLst>
                               <p:par>
-                                <p:cTn id="214" presetID="1" presetClass="entr" presetSubtype="0" fill="hold" grpId="0" nodeType="afterEffect">
+                                <p:cTn id="212" presetID="1" presetClass="entr" presetSubtype="0" fill="hold" grpId="0" nodeType="afterEffect">
                                   <p:stCondLst>
                                     <p:cond delay="100"/>
                                   </p:stCondLst>
                                   <p:childTnLst>
                                     <p:set>
                                       <p:cBhvr>
-                                        <p:cTn id="215" dur="1" fill="hold">
+                                        <p:cTn id="213" dur="1" fill="hold">
                                           <p:stCondLst>
                                             <p:cond delay="0"/>
                                           </p:stCondLst>
@@ -13445,20 +14746,20 @@
                           </p:cTn>
                         </p:par>
                         <p:par>
-                          <p:cTn id="216" fill="hold">
+                          <p:cTn id="214" fill="hold">
                             <p:stCondLst>
                               <p:cond delay="3700"/>
                             </p:stCondLst>
                             <p:childTnLst>
                               <p:par>
-                                <p:cTn id="217" presetID="1" presetClass="entr" presetSubtype="0" fill="hold" grpId="0" nodeType="afterEffect">
+                                <p:cTn id="215" presetID="1" presetClass="entr" presetSubtype="0" fill="hold" grpId="0" nodeType="afterEffect">
                                   <p:stCondLst>
                                     <p:cond delay="100"/>
                                   </p:stCondLst>
                                   <p:childTnLst>
                                     <p:set>
                                       <p:cBhvr>
-                                        <p:cTn id="218" dur="1" fill="hold">
+                                        <p:cTn id="216" dur="1" fill="hold">
                                           <p:stCondLst>
                                             <p:cond delay="0"/>
                                           </p:stCondLst>
@@ -13481,20 +14782,20 @@
                           </p:cTn>
                         </p:par>
                         <p:par>
-                          <p:cTn id="219" fill="hold">
+                          <p:cTn id="217" fill="hold">
                             <p:stCondLst>
                               <p:cond delay="3800"/>
                             </p:stCondLst>
                             <p:childTnLst>
                               <p:par>
-                                <p:cTn id="220" presetID="1" presetClass="entr" presetSubtype="0" fill="hold" grpId="0" nodeType="afterEffect">
+                                <p:cTn id="218" presetID="1" presetClass="entr" presetSubtype="0" fill="hold" grpId="0" nodeType="afterEffect">
                                   <p:stCondLst>
                                     <p:cond delay="100"/>
                                   </p:stCondLst>
                                   <p:childTnLst>
                                     <p:set>
                                       <p:cBhvr>
-                                        <p:cTn id="221" dur="1" fill="hold">
+                                        <p:cTn id="219" dur="1" fill="hold">
                                           <p:stCondLst>
                                             <p:cond delay="0"/>
                                           </p:stCondLst>
@@ -13517,20 +14818,20 @@
                           </p:cTn>
                         </p:par>
                         <p:par>
-                          <p:cTn id="222" fill="hold">
+                          <p:cTn id="220" fill="hold">
                             <p:stCondLst>
                               <p:cond delay="3900"/>
                             </p:stCondLst>
                             <p:childTnLst>
                               <p:par>
-                                <p:cTn id="223" presetID="1" presetClass="entr" presetSubtype="0" fill="hold" grpId="0" nodeType="afterEffect">
+                                <p:cTn id="221" presetID="1" presetClass="entr" presetSubtype="0" fill="hold" grpId="0" nodeType="afterEffect">
                                   <p:stCondLst>
                                     <p:cond delay="100"/>
                                   </p:stCondLst>
                                   <p:childTnLst>
                                     <p:set>
                                       <p:cBhvr>
-                                        <p:cTn id="224" dur="1" fill="hold">
+                                        <p:cTn id="222" dur="1" fill="hold">
                                           <p:stCondLst>
                                             <p:cond delay="0"/>
                                           </p:stCondLst>
@@ -13553,20 +14854,20 @@
                           </p:cTn>
                         </p:par>
                         <p:par>
-                          <p:cTn id="225" fill="hold">
+                          <p:cTn id="223" fill="hold">
                             <p:stCondLst>
                               <p:cond delay="4000"/>
                             </p:stCondLst>
                             <p:childTnLst>
                               <p:par>
-                                <p:cTn id="226" presetID="1" presetClass="entr" presetSubtype="0" fill="hold" grpId="0" nodeType="afterEffect">
+                                <p:cTn id="224" presetID="1" presetClass="entr" presetSubtype="0" fill="hold" grpId="0" nodeType="afterEffect">
                                   <p:stCondLst>
                                     <p:cond delay="100"/>
                                   </p:stCondLst>
                                   <p:childTnLst>
                                     <p:set>
                                       <p:cBhvr>
-                                        <p:cTn id="227" dur="1" fill="hold">
+                                        <p:cTn id="225" dur="1" fill="hold">
                                           <p:stCondLst>
                                             <p:cond delay="0"/>
                                           </p:stCondLst>
@@ -13589,20 +14890,20 @@
                           </p:cTn>
                         </p:par>
                         <p:par>
-                          <p:cTn id="228" fill="hold">
+                          <p:cTn id="226" fill="hold">
                             <p:stCondLst>
                               <p:cond delay="4100"/>
                             </p:stCondLst>
                             <p:childTnLst>
                               <p:par>
-                                <p:cTn id="229" presetID="1" presetClass="entr" presetSubtype="0" fill="hold" grpId="0" nodeType="afterEffect">
+                                <p:cTn id="227" presetID="1" presetClass="entr" presetSubtype="0" fill="hold" grpId="0" nodeType="afterEffect">
                                   <p:stCondLst>
                                     <p:cond delay="100"/>
                                   </p:stCondLst>
                                   <p:childTnLst>
                                     <p:set>
                                       <p:cBhvr>
-                                        <p:cTn id="230" dur="1" fill="hold">
+                                        <p:cTn id="228" dur="1" fill="hold">
                                           <p:stCondLst>
                                             <p:cond delay="0"/>
                                           </p:stCondLst>
@@ -13625,20 +14926,20 @@
                           </p:cTn>
                         </p:par>
                         <p:par>
-                          <p:cTn id="231" fill="hold">
+                          <p:cTn id="229" fill="hold">
                             <p:stCondLst>
                               <p:cond delay="4200"/>
                             </p:stCondLst>
                             <p:childTnLst>
                               <p:par>
-                                <p:cTn id="232" presetID="1" presetClass="entr" presetSubtype="0" fill="hold" grpId="0" nodeType="afterEffect">
+                                <p:cTn id="230" presetID="1" presetClass="entr" presetSubtype="0" fill="hold" grpId="0" nodeType="afterEffect">
                                   <p:stCondLst>
                                     <p:cond delay="100"/>
                                   </p:stCondLst>
                                   <p:childTnLst>
                                     <p:set>
                                       <p:cBhvr>
-                                        <p:cTn id="233" dur="1" fill="hold">
+                                        <p:cTn id="231" dur="1" fill="hold">
                                           <p:stCondLst>
                                             <p:cond delay="0"/>
                                           </p:stCondLst>
@@ -13661,20 +14962,20 @@
                           </p:cTn>
                         </p:par>
                         <p:par>
-                          <p:cTn id="234" fill="hold">
+                          <p:cTn id="232" fill="hold">
                             <p:stCondLst>
                               <p:cond delay="4300"/>
                             </p:stCondLst>
                             <p:childTnLst>
                               <p:par>
-                                <p:cTn id="235" presetID="1" presetClass="entr" presetSubtype="0" fill="hold" grpId="0" nodeType="afterEffect">
+                                <p:cTn id="233" presetID="1" presetClass="entr" presetSubtype="0" fill="hold" grpId="0" nodeType="afterEffect">
                                   <p:stCondLst>
                                     <p:cond delay="100"/>
                                   </p:stCondLst>
                                   <p:childTnLst>
                                     <p:set>
                                       <p:cBhvr>
-                                        <p:cTn id="236" dur="1" fill="hold">
+                                        <p:cTn id="234" dur="1" fill="hold">
                                           <p:stCondLst>
                                             <p:cond delay="0"/>
                                           </p:stCondLst>
@@ -13697,20 +14998,20 @@
                           </p:cTn>
                         </p:par>
                         <p:par>
-                          <p:cTn id="237" fill="hold">
+                          <p:cTn id="235" fill="hold">
                             <p:stCondLst>
                               <p:cond delay="4400"/>
                             </p:stCondLst>
                             <p:childTnLst>
                               <p:par>
-                                <p:cTn id="238" presetID="1" presetClass="entr" presetSubtype="0" fill="hold" grpId="0" nodeType="afterEffect">
+                                <p:cTn id="236" presetID="1" presetClass="entr" presetSubtype="0" fill="hold" grpId="0" nodeType="afterEffect">
                                   <p:stCondLst>
                                     <p:cond delay="100"/>
                                   </p:stCondLst>
                                   <p:childTnLst>
                                     <p:set>
                                       <p:cBhvr>
-                                        <p:cTn id="239" dur="1" fill="hold">
+                                        <p:cTn id="237" dur="1" fill="hold">
                                           <p:stCondLst>
                                             <p:cond delay="0"/>
                                           </p:stCondLst>
@@ -13733,20 +15034,20 @@
                           </p:cTn>
                         </p:par>
                         <p:par>
-                          <p:cTn id="240" fill="hold">
+                          <p:cTn id="238" fill="hold">
                             <p:stCondLst>
                               <p:cond delay="4500"/>
                             </p:stCondLst>
                             <p:childTnLst>
                               <p:par>
-                                <p:cTn id="241" presetID="1" presetClass="entr" presetSubtype="0" fill="hold" grpId="0" nodeType="afterEffect">
+                                <p:cTn id="239" presetID="1" presetClass="entr" presetSubtype="0" fill="hold" grpId="0" nodeType="afterEffect">
                                   <p:stCondLst>
                                     <p:cond delay="100"/>
                                   </p:stCondLst>
                                   <p:childTnLst>
                                     <p:set>
                                       <p:cBhvr>
-                                        <p:cTn id="242" dur="1" fill="hold">
+                                        <p:cTn id="240" dur="1" fill="hold">
                                           <p:stCondLst>
                                             <p:cond delay="0"/>
                                           </p:stCondLst>
@@ -13769,20 +15070,20 @@
                           </p:cTn>
                         </p:par>
                         <p:par>
-                          <p:cTn id="243" fill="hold">
+                          <p:cTn id="241" fill="hold">
                             <p:stCondLst>
                               <p:cond delay="4600"/>
                             </p:stCondLst>
                             <p:childTnLst>
                               <p:par>
-                                <p:cTn id="244" presetID="1" presetClass="entr" presetSubtype="0" fill="hold" grpId="0" nodeType="afterEffect">
+                                <p:cTn id="242" presetID="1" presetClass="entr" presetSubtype="0" fill="hold" grpId="0" nodeType="afterEffect">
                                   <p:stCondLst>
                                     <p:cond delay="100"/>
                                   </p:stCondLst>
                                   <p:childTnLst>
                                     <p:set>
                                       <p:cBhvr>
-                                        <p:cTn id="245" dur="1" fill="hold">
+                                        <p:cTn id="243" dur="1" fill="hold">
                                           <p:stCondLst>
                                             <p:cond delay="0"/>
                                           </p:stCondLst>
@@ -13805,20 +15106,20 @@
                           </p:cTn>
                         </p:par>
                         <p:par>
-                          <p:cTn id="246" fill="hold">
+                          <p:cTn id="244" fill="hold">
                             <p:stCondLst>
                               <p:cond delay="4700"/>
                             </p:stCondLst>
                             <p:childTnLst>
                               <p:par>
-                                <p:cTn id="247" presetID="1" presetClass="entr" presetSubtype="0" fill="hold" grpId="0" nodeType="afterEffect">
+                                <p:cTn id="245" presetID="1" presetClass="entr" presetSubtype="0" fill="hold" grpId="0" nodeType="afterEffect">
                                   <p:stCondLst>
                                     <p:cond delay="100"/>
                                   </p:stCondLst>
                                   <p:childTnLst>
                                     <p:set>
                                       <p:cBhvr>
-                                        <p:cTn id="248" dur="1" fill="hold">
+                                        <p:cTn id="246" dur="1" fill="hold">
                                           <p:stCondLst>
                                             <p:cond delay="0"/>
                                           </p:stCondLst>
@@ -13841,20 +15142,20 @@
                           </p:cTn>
                         </p:par>
                         <p:par>
-                          <p:cTn id="249" fill="hold">
+                          <p:cTn id="247" fill="hold">
                             <p:stCondLst>
                               <p:cond delay="4800"/>
                             </p:stCondLst>
                             <p:childTnLst>
                               <p:par>
-                                <p:cTn id="250" presetID="1" presetClass="entr" presetSubtype="0" fill="hold" grpId="0" nodeType="afterEffect">
+                                <p:cTn id="248" presetID="1" presetClass="entr" presetSubtype="0" fill="hold" grpId="0" nodeType="afterEffect">
                                   <p:stCondLst>
                                     <p:cond delay="100"/>
                                   </p:stCondLst>
                                   <p:childTnLst>
                                     <p:set>
                                       <p:cBhvr>
-                                        <p:cTn id="251" dur="1" fill="hold">
+                                        <p:cTn id="249" dur="1" fill="hold">
                                           <p:stCondLst>
                                             <p:cond delay="0"/>
                                           </p:stCondLst>
@@ -13877,20 +15178,20 @@
                           </p:cTn>
                         </p:par>
                         <p:par>
-                          <p:cTn id="252" fill="hold">
+                          <p:cTn id="250" fill="hold">
                             <p:stCondLst>
                               <p:cond delay="4900"/>
                             </p:stCondLst>
                             <p:childTnLst>
                               <p:par>
-                                <p:cTn id="253" presetID="1" presetClass="entr" presetSubtype="0" fill="hold" grpId="0" nodeType="afterEffect">
+                                <p:cTn id="251" presetID="1" presetClass="entr" presetSubtype="0" fill="hold" grpId="0" nodeType="afterEffect">
                                   <p:stCondLst>
                                     <p:cond delay="100"/>
                                   </p:stCondLst>
                                   <p:childTnLst>
                                     <p:set>
                                       <p:cBhvr>
-                                        <p:cTn id="254" dur="1" fill="hold">
+                                        <p:cTn id="252" dur="1" fill="hold">
                                           <p:stCondLst>
                                             <p:cond delay="0"/>
                                           </p:stCondLst>
@@ -13913,20 +15214,20 @@
                           </p:cTn>
                         </p:par>
                         <p:par>
-                          <p:cTn id="255" fill="hold">
+                          <p:cTn id="253" fill="hold">
                             <p:stCondLst>
                               <p:cond delay="5000"/>
                             </p:stCondLst>
                             <p:childTnLst>
                               <p:par>
-                                <p:cTn id="256" presetID="1" presetClass="entr" presetSubtype="0" fill="hold" grpId="0" nodeType="afterEffect">
+                                <p:cTn id="254" presetID="1" presetClass="entr" presetSubtype="0" fill="hold" grpId="0" nodeType="afterEffect">
                                   <p:stCondLst>
                                     <p:cond delay="100"/>
                                   </p:stCondLst>
                                   <p:childTnLst>
                                     <p:set>
                                       <p:cBhvr>
-                                        <p:cTn id="257" dur="1" fill="hold">
+                                        <p:cTn id="255" dur="1" fill="hold">
                                           <p:stCondLst>
                                             <p:cond delay="0"/>
                                           </p:stCondLst>
@@ -13942,6 +15243,94 @@
                                         <p:strVal val="visible"/>
                                       </p:to>
                                     </p:set>
+                                  </p:childTnLst>
+                                </p:cTn>
+                              </p:par>
+                            </p:childTnLst>
+                          </p:cTn>
+                        </p:par>
+                      </p:childTnLst>
+                    </p:cTn>
+                  </p:par>
+                  <p:par>
+                    <p:cTn id="256" fill="hold">
+                      <p:stCondLst>
+                        <p:cond delay="indefinite"/>
+                      </p:stCondLst>
+                      <p:childTnLst>
+                        <p:par>
+                          <p:cTn id="257" fill="hold">
+                            <p:stCondLst>
+                              <p:cond delay="0"/>
+                            </p:stCondLst>
+                            <p:childTnLst>
+                              <p:par>
+                                <p:cTn id="258" presetID="10" presetClass="entr" presetSubtype="0" fill="hold" grpId="0" nodeType="clickEffect">
+                                  <p:stCondLst>
+                                    <p:cond delay="0"/>
+                                  </p:stCondLst>
+                                  <p:childTnLst>
+                                    <p:set>
+                                      <p:cBhvr>
+                                        <p:cTn id="259" dur="1" fill="hold">
+                                          <p:stCondLst>
+                                            <p:cond delay="0"/>
+                                          </p:stCondLst>
+                                        </p:cTn>
+                                        <p:tgtEl>
+                                          <p:spTgt spid="57"/>
+                                        </p:tgtEl>
+                                        <p:attrNameLst>
+                                          <p:attrName>style.visibility</p:attrName>
+                                        </p:attrNameLst>
+                                      </p:cBhvr>
+                                      <p:to>
+                                        <p:strVal val="visible"/>
+                                      </p:to>
+                                    </p:set>
+                                    <p:animEffect transition="in" filter="fade">
+                                      <p:cBhvr>
+                                        <p:cTn id="260" dur="500"/>
+                                        <p:tgtEl>
+                                          <p:spTgt spid="57"/>
+                                        </p:tgtEl>
+                                      </p:cBhvr>
+                                    </p:animEffect>
+                                  </p:childTnLst>
+                                </p:cTn>
+                              </p:par>
+                              <p:par>
+                                <p:cTn id="261" presetID="10" presetClass="entr" presetSubtype="0" fill="hold" grpId="0" nodeType="withEffect">
+                                  <p:stCondLst>
+                                    <p:cond delay="0"/>
+                                  </p:stCondLst>
+                                  <p:childTnLst>
+                                    <p:set>
+                                      <p:cBhvr>
+                                        <p:cTn id="262" dur="1" fill="hold">
+                                          <p:stCondLst>
+                                            <p:cond delay="0"/>
+                                          </p:stCondLst>
+                                        </p:cTn>
+                                        <p:tgtEl>
+                                          <p:spTgt spid="58"/>
+                                        </p:tgtEl>
+                                        <p:attrNameLst>
+                                          <p:attrName>style.visibility</p:attrName>
+                                        </p:attrNameLst>
+                                      </p:cBhvr>
+                                      <p:to>
+                                        <p:strVal val="visible"/>
+                                      </p:to>
+                                    </p:set>
+                                    <p:animEffect transition="in" filter="fade">
+                                      <p:cBhvr>
+                                        <p:cTn id="263" dur="500"/>
+                                        <p:tgtEl>
+                                          <p:spTgt spid="58"/>
+                                        </p:tgtEl>
+                                      </p:cBhvr>
+                                    </p:animEffect>
                                   </p:childTnLst>
                                 </p:cTn>
                               </p:par>
@@ -14055,6 +15444,8 @@
       <p:bldP spid="53" grpId="0" animBg="1"/>
       <p:bldP spid="54" grpId="0" animBg="1"/>
       <p:bldP spid="55" grpId="0" animBg="1"/>
+      <p:bldP spid="57" grpId="0" animBg="1"/>
+      <p:bldP spid="58" grpId="0"/>
     </p:bldLst>
   </p:timing>
 </p:sld>
